--- a/SingleWorkstationModels/OnePageSummary/QueueingTheoryFormulas_OnePageSummary.pptx
+++ b/SingleWorkstationModels/OnePageSummary/QueueingTheoryFormulas_OnePageSummary.pptx
@@ -4,8 +4,12 @@
   <p:sldMasterIdLst>
     <p:sldMasterId id="2147483648" r:id="rId1"/>
   </p:sldMasterIdLst>
+  <p:notesMasterIdLst>
+    <p:notesMasterId r:id="rId4"/>
+  </p:notesMasterIdLst>
   <p:sldIdLst>
-    <p:sldId id="257" r:id="rId2"/>
+    <p:sldId id="258" r:id="rId2"/>
+    <p:sldId id="257" r:id="rId3"/>
   </p:sldIdLst>
   <p:sldSz cx="9144000" cy="6858000" type="screen4x3"/>
   <p:notesSz cx="6858000" cy="9144000"/>
@@ -106,7 +110,7 @@
   </p:defaultTextStyle>
   <p:extLst>
     <p:ext uri="{EFAFB233-063F-42B5-8137-9DF3F51BA10A}">
-      <p15:sldGuideLst xmlns:p15="http://schemas.microsoft.com/office/powerpoint/2012/main" xmlns="">
+      <p15:sldGuideLst xmlns="" xmlns:p15="http://schemas.microsoft.com/office/powerpoint/2012/main">
         <p15:guide id="1" orient="horz" pos="2160">
           <p15:clr>
             <a:srgbClr val="A4A3A4"/>
@@ -121,6 +125,642 @@
     </p:ext>
   </p:extLst>
 </p:presentation>
+</file>
+
+<file path=ppt/notesMasters/notesMaster1.xml><?xml version="1.0" encoding="utf-8"?>
+<p:notesMaster xmlns:a="http://schemas.openxmlformats.org/drawingml/2006/main" xmlns:r="http://schemas.openxmlformats.org/officeDocument/2006/relationships" xmlns:p="http://schemas.openxmlformats.org/presentationml/2006/main">
+  <p:cSld>
+    <p:bg>
+      <p:bgRef idx="1001">
+        <a:schemeClr val="bg1"/>
+      </p:bgRef>
+    </p:bg>
+    <p:spTree>
+      <p:nvGrpSpPr>
+        <p:cNvPr id="1" name=""/>
+        <p:cNvGrpSpPr/>
+        <p:nvPr/>
+      </p:nvGrpSpPr>
+      <p:grpSpPr>
+        <a:xfrm>
+          <a:off x="0" y="0"/>
+          <a:ext cx="0" cy="0"/>
+          <a:chOff x="0" y="0"/>
+          <a:chExt cx="0" cy="0"/>
+        </a:xfrm>
+      </p:grpSpPr>
+      <p:sp>
+        <p:nvSpPr>
+          <p:cNvPr id="2" name="Header Placeholder 1"/>
+          <p:cNvSpPr>
+            <a:spLocks noGrp="1"/>
+          </p:cNvSpPr>
+          <p:nvPr>
+            <p:ph type="hdr" sz="quarter"/>
+          </p:nvPr>
+        </p:nvSpPr>
+        <p:spPr>
+          <a:xfrm>
+            <a:off x="0" y="0"/>
+            <a:ext cx="2971800" cy="457200"/>
+          </a:xfrm>
+          <a:prstGeom prst="rect">
+            <a:avLst/>
+          </a:prstGeom>
+        </p:spPr>
+        <p:txBody>
+          <a:bodyPr vert="horz" lIns="91440" tIns="45720" rIns="91440" bIns="45720" rtlCol="0"/>
+          <a:lstStyle>
+            <a:lvl1pPr algn="l">
+              <a:defRPr sz="1200"/>
+            </a:lvl1pPr>
+          </a:lstStyle>
+          <a:p>
+            <a:endParaRPr lang="en-US"/>
+          </a:p>
+        </p:txBody>
+      </p:sp>
+      <p:sp>
+        <p:nvSpPr>
+          <p:cNvPr id="3" name="Date Placeholder 2"/>
+          <p:cNvSpPr>
+            <a:spLocks noGrp="1"/>
+          </p:cNvSpPr>
+          <p:nvPr>
+            <p:ph type="dt" idx="1"/>
+          </p:nvPr>
+        </p:nvSpPr>
+        <p:spPr>
+          <a:xfrm>
+            <a:off x="3884613" y="0"/>
+            <a:ext cx="2971800" cy="457200"/>
+          </a:xfrm>
+          <a:prstGeom prst="rect">
+            <a:avLst/>
+          </a:prstGeom>
+        </p:spPr>
+        <p:txBody>
+          <a:bodyPr vert="horz" lIns="91440" tIns="45720" rIns="91440" bIns="45720" rtlCol="0"/>
+          <a:lstStyle>
+            <a:lvl1pPr algn="r">
+              <a:defRPr sz="1200"/>
+            </a:lvl1pPr>
+          </a:lstStyle>
+          <a:p>
+            <a:fld id="{D86EA713-8C9A-43F0-920E-82C7FE1C2698}" type="datetimeFigureOut">
+              <a:rPr lang="en-US" smtClean="0"/>
+              <a:t>7/1/2016</a:t>
+            </a:fld>
+            <a:endParaRPr lang="en-US"/>
+          </a:p>
+        </p:txBody>
+      </p:sp>
+      <p:sp>
+        <p:nvSpPr>
+          <p:cNvPr id="4" name="Slide Image Placeholder 3"/>
+          <p:cNvSpPr>
+            <a:spLocks noGrp="1" noRot="1" noChangeAspect="1"/>
+          </p:cNvSpPr>
+          <p:nvPr>
+            <p:ph type="sldImg" idx="2"/>
+          </p:nvPr>
+        </p:nvSpPr>
+        <p:spPr>
+          <a:xfrm>
+            <a:off x="1143000" y="685800"/>
+            <a:ext cx="4572000" cy="3429000"/>
+          </a:xfrm>
+          <a:prstGeom prst="rect">
+            <a:avLst/>
+          </a:prstGeom>
+          <a:noFill/>
+          <a:ln w="12700">
+            <a:solidFill>
+              <a:prstClr val="black"/>
+            </a:solidFill>
+          </a:ln>
+        </p:spPr>
+        <p:txBody>
+          <a:bodyPr vert="horz" lIns="91440" tIns="45720" rIns="91440" bIns="45720" rtlCol="0" anchor="ctr"/>
+          <a:lstStyle/>
+          <a:p>
+            <a:endParaRPr lang="en-US"/>
+          </a:p>
+        </p:txBody>
+      </p:sp>
+      <p:sp>
+        <p:nvSpPr>
+          <p:cNvPr id="5" name="Notes Placeholder 4"/>
+          <p:cNvSpPr>
+            <a:spLocks noGrp="1"/>
+          </p:cNvSpPr>
+          <p:nvPr>
+            <p:ph type="body" sz="quarter" idx="3"/>
+          </p:nvPr>
+        </p:nvSpPr>
+        <p:spPr>
+          <a:xfrm>
+            <a:off x="685800" y="4343400"/>
+            <a:ext cx="5486400" cy="4114800"/>
+          </a:xfrm>
+          <a:prstGeom prst="rect">
+            <a:avLst/>
+          </a:prstGeom>
+        </p:spPr>
+        <p:txBody>
+          <a:bodyPr vert="horz" lIns="91440" tIns="45720" rIns="91440" bIns="45720" rtlCol="0"/>
+          <a:lstStyle/>
+          <a:p>
+            <a:pPr lvl="0"/>
+            <a:r>
+              <a:rPr lang="en-US" smtClean="0"/>
+              <a:t>Click to edit Master text styles</a:t>
+            </a:r>
+          </a:p>
+          <a:p>
+            <a:pPr lvl="1"/>
+            <a:r>
+              <a:rPr lang="en-US" smtClean="0"/>
+              <a:t>Second level</a:t>
+            </a:r>
+          </a:p>
+          <a:p>
+            <a:pPr lvl="2"/>
+            <a:r>
+              <a:rPr lang="en-US" smtClean="0"/>
+              <a:t>Third level</a:t>
+            </a:r>
+          </a:p>
+          <a:p>
+            <a:pPr lvl="3"/>
+            <a:r>
+              <a:rPr lang="en-US" smtClean="0"/>
+              <a:t>Fourth level</a:t>
+            </a:r>
+          </a:p>
+          <a:p>
+            <a:pPr lvl="4"/>
+            <a:r>
+              <a:rPr lang="en-US" smtClean="0"/>
+              <a:t>Fifth level</a:t>
+            </a:r>
+            <a:endParaRPr lang="en-US"/>
+          </a:p>
+        </p:txBody>
+      </p:sp>
+      <p:sp>
+        <p:nvSpPr>
+          <p:cNvPr id="6" name="Footer Placeholder 5"/>
+          <p:cNvSpPr>
+            <a:spLocks noGrp="1"/>
+          </p:cNvSpPr>
+          <p:nvPr>
+            <p:ph type="ftr" sz="quarter" idx="4"/>
+          </p:nvPr>
+        </p:nvSpPr>
+        <p:spPr>
+          <a:xfrm>
+            <a:off x="0" y="8685213"/>
+            <a:ext cx="2971800" cy="457200"/>
+          </a:xfrm>
+          <a:prstGeom prst="rect">
+            <a:avLst/>
+          </a:prstGeom>
+        </p:spPr>
+        <p:txBody>
+          <a:bodyPr vert="horz" lIns="91440" tIns="45720" rIns="91440" bIns="45720" rtlCol="0" anchor="b"/>
+          <a:lstStyle>
+            <a:lvl1pPr algn="l">
+              <a:defRPr sz="1200"/>
+            </a:lvl1pPr>
+          </a:lstStyle>
+          <a:p>
+            <a:endParaRPr lang="en-US"/>
+          </a:p>
+        </p:txBody>
+      </p:sp>
+      <p:sp>
+        <p:nvSpPr>
+          <p:cNvPr id="7" name="Slide Number Placeholder 6"/>
+          <p:cNvSpPr>
+            <a:spLocks noGrp="1"/>
+          </p:cNvSpPr>
+          <p:nvPr>
+            <p:ph type="sldNum" sz="quarter" idx="5"/>
+          </p:nvPr>
+        </p:nvSpPr>
+        <p:spPr>
+          <a:xfrm>
+            <a:off x="3884613" y="8685213"/>
+            <a:ext cx="2971800" cy="457200"/>
+          </a:xfrm>
+          <a:prstGeom prst="rect">
+            <a:avLst/>
+          </a:prstGeom>
+        </p:spPr>
+        <p:txBody>
+          <a:bodyPr vert="horz" lIns="91440" tIns="45720" rIns="91440" bIns="45720" rtlCol="0" anchor="b"/>
+          <a:lstStyle>
+            <a:lvl1pPr algn="r">
+              <a:defRPr sz="1200"/>
+            </a:lvl1pPr>
+          </a:lstStyle>
+          <a:p>
+            <a:fld id="{4318325D-EB89-441E-973A-72B236AA2898}" type="slidenum">
+              <a:rPr lang="en-US" smtClean="0"/>
+              <a:t>‹#›</a:t>
+            </a:fld>
+            <a:endParaRPr lang="en-US"/>
+          </a:p>
+        </p:txBody>
+      </p:sp>
+    </p:spTree>
+    <p:extLst>
+      <p:ext uri="{BB962C8B-B14F-4D97-AF65-F5344CB8AC3E}">
+        <p14:creationId xmlns:p14="http://schemas.microsoft.com/office/powerpoint/2010/main" val="1257478126"/>
+      </p:ext>
+    </p:extLst>
+  </p:cSld>
+  <p:clrMap bg1="lt1" tx1="dk1" bg2="lt2" tx2="dk2" accent1="accent1" accent2="accent2" accent3="accent3" accent4="accent4" accent5="accent5" accent6="accent6" hlink="hlink" folHlink="folHlink"/>
+  <p:notesStyle>
+    <a:lvl1pPr marL="0" algn="l" defTabSz="914400" rtl="0" eaLnBrk="1" latinLnBrk="0" hangingPunct="1">
+      <a:defRPr sz="1200" kern="1200">
+        <a:solidFill>
+          <a:schemeClr val="tx1"/>
+        </a:solidFill>
+        <a:latin typeface="+mn-lt"/>
+        <a:ea typeface="+mn-ea"/>
+        <a:cs typeface="+mn-cs"/>
+      </a:defRPr>
+    </a:lvl1pPr>
+    <a:lvl2pPr marL="457200" algn="l" defTabSz="914400" rtl="0" eaLnBrk="1" latinLnBrk="0" hangingPunct="1">
+      <a:defRPr sz="1200" kern="1200">
+        <a:solidFill>
+          <a:schemeClr val="tx1"/>
+        </a:solidFill>
+        <a:latin typeface="+mn-lt"/>
+        <a:ea typeface="+mn-ea"/>
+        <a:cs typeface="+mn-cs"/>
+      </a:defRPr>
+    </a:lvl2pPr>
+    <a:lvl3pPr marL="914400" algn="l" defTabSz="914400" rtl="0" eaLnBrk="1" latinLnBrk="0" hangingPunct="1">
+      <a:defRPr sz="1200" kern="1200">
+        <a:solidFill>
+          <a:schemeClr val="tx1"/>
+        </a:solidFill>
+        <a:latin typeface="+mn-lt"/>
+        <a:ea typeface="+mn-ea"/>
+        <a:cs typeface="+mn-cs"/>
+      </a:defRPr>
+    </a:lvl3pPr>
+    <a:lvl4pPr marL="1371600" algn="l" defTabSz="914400" rtl="0" eaLnBrk="1" latinLnBrk="0" hangingPunct="1">
+      <a:defRPr sz="1200" kern="1200">
+        <a:solidFill>
+          <a:schemeClr val="tx1"/>
+        </a:solidFill>
+        <a:latin typeface="+mn-lt"/>
+        <a:ea typeface="+mn-ea"/>
+        <a:cs typeface="+mn-cs"/>
+      </a:defRPr>
+    </a:lvl4pPr>
+    <a:lvl5pPr marL="1828800" algn="l" defTabSz="914400" rtl="0" eaLnBrk="1" latinLnBrk="0" hangingPunct="1">
+      <a:defRPr sz="1200" kern="1200">
+        <a:solidFill>
+          <a:schemeClr val="tx1"/>
+        </a:solidFill>
+        <a:latin typeface="+mn-lt"/>
+        <a:ea typeface="+mn-ea"/>
+        <a:cs typeface="+mn-cs"/>
+      </a:defRPr>
+    </a:lvl5pPr>
+    <a:lvl6pPr marL="2286000" algn="l" defTabSz="914400" rtl="0" eaLnBrk="1" latinLnBrk="0" hangingPunct="1">
+      <a:defRPr sz="1200" kern="1200">
+        <a:solidFill>
+          <a:schemeClr val="tx1"/>
+        </a:solidFill>
+        <a:latin typeface="+mn-lt"/>
+        <a:ea typeface="+mn-ea"/>
+        <a:cs typeface="+mn-cs"/>
+      </a:defRPr>
+    </a:lvl6pPr>
+    <a:lvl7pPr marL="2743200" algn="l" defTabSz="914400" rtl="0" eaLnBrk="1" latinLnBrk="0" hangingPunct="1">
+      <a:defRPr sz="1200" kern="1200">
+        <a:solidFill>
+          <a:schemeClr val="tx1"/>
+        </a:solidFill>
+        <a:latin typeface="+mn-lt"/>
+        <a:ea typeface="+mn-ea"/>
+        <a:cs typeface="+mn-cs"/>
+      </a:defRPr>
+    </a:lvl7pPr>
+    <a:lvl8pPr marL="3200400" algn="l" defTabSz="914400" rtl="0" eaLnBrk="1" latinLnBrk="0" hangingPunct="1">
+      <a:defRPr sz="1200" kern="1200">
+        <a:solidFill>
+          <a:schemeClr val="tx1"/>
+        </a:solidFill>
+        <a:latin typeface="+mn-lt"/>
+        <a:ea typeface="+mn-ea"/>
+        <a:cs typeface="+mn-cs"/>
+      </a:defRPr>
+    </a:lvl8pPr>
+    <a:lvl9pPr marL="3657600" algn="l" defTabSz="914400" rtl="0" eaLnBrk="1" latinLnBrk="0" hangingPunct="1">
+      <a:defRPr sz="1200" kern="1200">
+        <a:solidFill>
+          <a:schemeClr val="tx1"/>
+        </a:solidFill>
+        <a:latin typeface="+mn-lt"/>
+        <a:ea typeface="+mn-ea"/>
+        <a:cs typeface="+mn-cs"/>
+      </a:defRPr>
+    </a:lvl9pPr>
+  </p:notesStyle>
+</p:notesMaster>
+</file>
+
+<file path=ppt/notesSlides/notesSlide1.xml><?xml version="1.0" encoding="utf-8"?>
+<p:notes xmlns:a="http://schemas.openxmlformats.org/drawingml/2006/main" xmlns:r="http://schemas.openxmlformats.org/officeDocument/2006/relationships" xmlns:p="http://schemas.openxmlformats.org/presentationml/2006/main">
+  <p:cSld>
+    <p:spTree>
+      <p:nvGrpSpPr>
+        <p:cNvPr id="1" name=""/>
+        <p:cNvGrpSpPr/>
+        <p:nvPr/>
+      </p:nvGrpSpPr>
+      <p:grpSpPr>
+        <a:xfrm>
+          <a:off x="0" y="0"/>
+          <a:ext cx="0" cy="0"/>
+          <a:chOff x="0" y="0"/>
+          <a:chExt cx="0" cy="0"/>
+        </a:xfrm>
+      </p:grpSpPr>
+      <p:sp>
+        <p:nvSpPr>
+          <p:cNvPr id="2" name="Slide Image Placeholder 1"/>
+          <p:cNvSpPr>
+            <a:spLocks noGrp="1" noRot="1" noChangeAspect="1"/>
+          </p:cNvSpPr>
+          <p:nvPr>
+            <p:ph type="sldImg"/>
+          </p:nvPr>
+        </p:nvSpPr>
+        <p:spPr/>
+      </p:sp>
+      <p:sp>
+        <p:nvSpPr>
+          <p:cNvPr id="3" name="Notes Placeholder 2"/>
+          <p:cNvSpPr>
+            <a:spLocks noGrp="1"/>
+          </p:cNvSpPr>
+          <p:nvPr>
+            <p:ph type="body" idx="1"/>
+          </p:nvPr>
+        </p:nvSpPr>
+        <p:spPr/>
+        <p:txBody>
+          <a:bodyPr/>
+          <a:lstStyle/>
+          <a:p>
+            <a:r>
+              <a:rPr lang="en-US" dirty="0" smtClean="0"/>
+              <a:t>Lower Resolution</a:t>
+            </a:r>
+            <a:r>
+              <a:rPr lang="en-US" baseline="0" dirty="0" smtClean="0"/>
+              <a:t> (which for some reason, prints better?)</a:t>
+            </a:r>
+            <a:endParaRPr lang="en-US" dirty="0" smtClean="0"/>
+          </a:p>
+          <a:p>
+            <a:r>
+              <a:rPr lang="en-US" baseline="0" dirty="0" smtClean="0"/>
+              <a:t>(1) </a:t>
+            </a:r>
+            <a:r>
+              <a:rPr lang="en-US" baseline="0" dirty="0" err="1" smtClean="0"/>
+              <a:t>LaTeX</a:t>
+            </a:r>
+            <a:r>
+              <a:rPr lang="en-US" baseline="0" dirty="0" smtClean="0"/>
+              <a:t> -&gt; PDF</a:t>
+            </a:r>
+          </a:p>
+          <a:p>
+            <a:r>
+              <a:rPr lang="en-US" baseline="0" dirty="0" smtClean="0"/>
+              <a:t>(2) Screen captures from Acrobat Reader at zoom=157% on a 96dpi monitor</a:t>
+            </a:r>
+          </a:p>
+          <a:p>
+            <a:r>
+              <a:rPr lang="en-US" baseline="0" dirty="0" smtClean="0"/>
+              <a:t>(3) Crop images in </a:t>
+            </a:r>
+            <a:r>
+              <a:rPr lang="en-US" baseline="0" dirty="0" err="1" smtClean="0"/>
+              <a:t>mspaint</a:t>
+            </a:r>
+            <a:r>
+              <a:rPr lang="en-US" baseline="0" dirty="0" smtClean="0"/>
+              <a:t>, s</a:t>
+            </a:r>
+            <a:r>
+              <a:rPr lang="en-US" baseline="0" dirty="0" smtClean="0"/>
+              <a:t>ave as PNG, </a:t>
+            </a:r>
+            <a:r>
+              <a:rPr lang="en-US" baseline="0" dirty="0" smtClean="0"/>
+              <a:t>and import here</a:t>
+            </a:r>
+          </a:p>
+          <a:p>
+            <a:r>
+              <a:rPr lang="en-US" baseline="0" dirty="0" smtClean="0"/>
+              <a:t>(4) Make it look pretty</a:t>
+            </a:r>
+            <a:endParaRPr lang="en-US" dirty="0"/>
+          </a:p>
+        </p:txBody>
+      </p:sp>
+      <p:sp>
+        <p:nvSpPr>
+          <p:cNvPr id="4" name="Slide Number Placeholder 3"/>
+          <p:cNvSpPr>
+            <a:spLocks noGrp="1"/>
+          </p:cNvSpPr>
+          <p:nvPr>
+            <p:ph type="sldNum" sz="quarter" idx="10"/>
+          </p:nvPr>
+        </p:nvSpPr>
+        <p:spPr/>
+        <p:txBody>
+          <a:bodyPr/>
+          <a:lstStyle/>
+          <a:p>
+            <a:fld id="{4318325D-EB89-441E-973A-72B236AA2898}" type="slidenum">
+              <a:rPr lang="en-US" smtClean="0"/>
+              <a:t>1</a:t>
+            </a:fld>
+            <a:endParaRPr lang="en-US"/>
+          </a:p>
+        </p:txBody>
+      </p:sp>
+    </p:spTree>
+    <p:extLst>
+      <p:ext uri="{BB962C8B-B14F-4D97-AF65-F5344CB8AC3E}">
+        <p14:creationId xmlns:p14="http://schemas.microsoft.com/office/powerpoint/2010/main" val="999570417"/>
+      </p:ext>
+    </p:extLst>
+  </p:cSld>
+  <p:clrMapOvr>
+    <a:masterClrMapping/>
+  </p:clrMapOvr>
+</p:notes>
+</file>
+
+<file path=ppt/notesSlides/notesSlide2.xml><?xml version="1.0" encoding="utf-8"?>
+<p:notes xmlns:a="http://schemas.openxmlformats.org/drawingml/2006/main" xmlns:r="http://schemas.openxmlformats.org/officeDocument/2006/relationships" xmlns:p="http://schemas.openxmlformats.org/presentationml/2006/main">
+  <p:cSld>
+    <p:spTree>
+      <p:nvGrpSpPr>
+        <p:cNvPr id="1" name=""/>
+        <p:cNvGrpSpPr/>
+        <p:nvPr/>
+      </p:nvGrpSpPr>
+      <p:grpSpPr>
+        <a:xfrm>
+          <a:off x="0" y="0"/>
+          <a:ext cx="0" cy="0"/>
+          <a:chOff x="0" y="0"/>
+          <a:chExt cx="0" cy="0"/>
+        </a:xfrm>
+      </p:grpSpPr>
+      <p:sp>
+        <p:nvSpPr>
+          <p:cNvPr id="2" name="Slide Image Placeholder 1"/>
+          <p:cNvSpPr>
+            <a:spLocks noGrp="1" noRot="1" noChangeAspect="1"/>
+          </p:cNvSpPr>
+          <p:nvPr>
+            <p:ph type="sldImg"/>
+          </p:nvPr>
+        </p:nvSpPr>
+        <p:spPr/>
+      </p:sp>
+      <p:sp>
+        <p:nvSpPr>
+          <p:cNvPr id="3" name="Notes Placeholder 2"/>
+          <p:cNvSpPr>
+            <a:spLocks noGrp="1"/>
+          </p:cNvSpPr>
+          <p:nvPr>
+            <p:ph type="body" idx="1"/>
+          </p:nvPr>
+        </p:nvSpPr>
+        <p:spPr/>
+        <p:txBody>
+          <a:bodyPr/>
+          <a:lstStyle/>
+          <a:p>
+            <a:r>
+              <a:rPr lang="en-US" dirty="0" smtClean="0"/>
+              <a:t>Higher Resolution</a:t>
+            </a:r>
+            <a:r>
+              <a:rPr lang="en-US" baseline="0" dirty="0" smtClean="0"/>
+              <a:t> (which for some reason, </a:t>
+            </a:r>
+            <a:r>
+              <a:rPr lang="en-US" baseline="0" smtClean="0"/>
+              <a:t>prints worse?)</a:t>
+            </a:r>
+            <a:endParaRPr lang="en-US" dirty="0" smtClean="0"/>
+          </a:p>
+          <a:p>
+            <a:r>
+              <a:rPr lang="en-US" baseline="0" dirty="0" smtClean="0"/>
+              <a:t>(1) </a:t>
+            </a:r>
+            <a:r>
+              <a:rPr lang="en-US" baseline="0" dirty="0" err="1" smtClean="0"/>
+              <a:t>LaTeX</a:t>
+            </a:r>
+            <a:r>
+              <a:rPr lang="en-US" baseline="0" dirty="0" smtClean="0"/>
+              <a:t> -&gt; PDF</a:t>
+            </a:r>
+          </a:p>
+          <a:p>
+            <a:r>
+              <a:rPr lang="en-US" baseline="0" dirty="0" smtClean="0"/>
+              <a:t>(2) Screen captures from Acrobat Reader at zoom=200% on a 96dpi monitor (the cost of 157% versus 200%: the leftmost image is not contiguous)</a:t>
+            </a:r>
+          </a:p>
+          <a:p>
+            <a:r>
+              <a:rPr lang="en-US" baseline="0" dirty="0" smtClean="0"/>
+              <a:t>(3) Crop images in </a:t>
+            </a:r>
+            <a:r>
+              <a:rPr lang="en-US" baseline="0" dirty="0" err="1" smtClean="0"/>
+              <a:t>mspaint</a:t>
+            </a:r>
+            <a:r>
+              <a:rPr lang="en-US" baseline="0" dirty="0" smtClean="0"/>
+              <a:t>, s</a:t>
+            </a:r>
+            <a:r>
+              <a:rPr lang="en-US" baseline="0" dirty="0" smtClean="0"/>
+              <a:t>ave as PNG, </a:t>
+            </a:r>
+            <a:r>
+              <a:rPr lang="en-US" baseline="0" dirty="0" smtClean="0"/>
+              <a:t>and import here</a:t>
+            </a:r>
+          </a:p>
+          <a:p>
+            <a:r>
+              <a:rPr lang="en-US" baseline="0" dirty="0" smtClean="0"/>
+              <a:t>(4) Make it look pretty</a:t>
+            </a:r>
+            <a:endParaRPr lang="en-US" dirty="0"/>
+          </a:p>
+        </p:txBody>
+      </p:sp>
+      <p:sp>
+        <p:nvSpPr>
+          <p:cNvPr id="4" name="Slide Number Placeholder 3"/>
+          <p:cNvSpPr>
+            <a:spLocks noGrp="1"/>
+          </p:cNvSpPr>
+          <p:nvPr>
+            <p:ph type="sldNum" sz="quarter" idx="10"/>
+          </p:nvPr>
+        </p:nvSpPr>
+        <p:spPr/>
+        <p:txBody>
+          <a:bodyPr/>
+          <a:lstStyle/>
+          <a:p>
+            <a:fld id="{4318325D-EB89-441E-973A-72B236AA2898}" type="slidenum">
+              <a:rPr lang="en-US" smtClean="0"/>
+              <a:t>2</a:t>
+            </a:fld>
+            <a:endParaRPr lang="en-US"/>
+          </a:p>
+        </p:txBody>
+      </p:sp>
+    </p:spTree>
+    <p:extLst>
+      <p:ext uri="{BB962C8B-B14F-4D97-AF65-F5344CB8AC3E}">
+        <p14:creationId xmlns:p14="http://schemas.microsoft.com/office/powerpoint/2010/main" val="999570417"/>
+      </p:ext>
+    </p:extLst>
+  </p:cSld>
+  <p:clrMapOvr>
+    <a:masterClrMapping/>
+  </p:clrMapOvr>
+</p:notes>
 </file>
 
 <file path=ppt/slideLayouts/slideLayout1.xml><?xml version="1.0" encoding="utf-8"?>
@@ -304,7 +944,7 @@
           <a:p>
             <a:fld id="{D4DFCCA6-CC0D-42C0-970D-48F6C7E0307D}" type="datetimeFigureOut">
               <a:rPr lang="en-US" smtClean="0"/>
-              <a:t>6/30/2016</a:t>
+              <a:t>7/1/2016</a:t>
             </a:fld>
             <a:endParaRPr lang="en-US"/>
           </a:p>
@@ -474,7 +1114,7 @@
           <a:p>
             <a:fld id="{D4DFCCA6-CC0D-42C0-970D-48F6C7E0307D}" type="datetimeFigureOut">
               <a:rPr lang="en-US" smtClean="0"/>
-              <a:t>6/30/2016</a:t>
+              <a:t>7/1/2016</a:t>
             </a:fld>
             <a:endParaRPr lang="en-US"/>
           </a:p>
@@ -654,7 +1294,7 @@
           <a:p>
             <a:fld id="{D4DFCCA6-CC0D-42C0-970D-48F6C7E0307D}" type="datetimeFigureOut">
               <a:rPr lang="en-US" smtClean="0"/>
-              <a:t>6/30/2016</a:t>
+              <a:t>7/1/2016</a:t>
             </a:fld>
             <a:endParaRPr lang="en-US"/>
           </a:p>
@@ -824,7 +1464,7 @@
           <a:p>
             <a:fld id="{D4DFCCA6-CC0D-42C0-970D-48F6C7E0307D}" type="datetimeFigureOut">
               <a:rPr lang="en-US" smtClean="0"/>
-              <a:t>6/30/2016</a:t>
+              <a:t>7/1/2016</a:t>
             </a:fld>
             <a:endParaRPr lang="en-US"/>
           </a:p>
@@ -1070,7 +1710,7 @@
           <a:p>
             <a:fld id="{D4DFCCA6-CC0D-42C0-970D-48F6C7E0307D}" type="datetimeFigureOut">
               <a:rPr lang="en-US" smtClean="0"/>
-              <a:t>6/30/2016</a:t>
+              <a:t>7/1/2016</a:t>
             </a:fld>
             <a:endParaRPr lang="en-US"/>
           </a:p>
@@ -1358,7 +1998,7 @@
           <a:p>
             <a:fld id="{D4DFCCA6-CC0D-42C0-970D-48F6C7E0307D}" type="datetimeFigureOut">
               <a:rPr lang="en-US" smtClean="0"/>
-              <a:t>6/30/2016</a:t>
+              <a:t>7/1/2016</a:t>
             </a:fld>
             <a:endParaRPr lang="en-US"/>
           </a:p>
@@ -1780,7 +2420,7 @@
           <a:p>
             <a:fld id="{D4DFCCA6-CC0D-42C0-970D-48F6C7E0307D}" type="datetimeFigureOut">
               <a:rPr lang="en-US" smtClean="0"/>
-              <a:t>6/30/2016</a:t>
+              <a:t>7/1/2016</a:t>
             </a:fld>
             <a:endParaRPr lang="en-US"/>
           </a:p>
@@ -1898,7 +2538,7 @@
           <a:p>
             <a:fld id="{D4DFCCA6-CC0D-42C0-970D-48F6C7E0307D}" type="datetimeFigureOut">
               <a:rPr lang="en-US" smtClean="0"/>
-              <a:t>6/30/2016</a:t>
+              <a:t>7/1/2016</a:t>
             </a:fld>
             <a:endParaRPr lang="en-US"/>
           </a:p>
@@ -1993,7 +2633,7 @@
           <a:p>
             <a:fld id="{D4DFCCA6-CC0D-42C0-970D-48F6C7E0307D}" type="datetimeFigureOut">
               <a:rPr lang="en-US" smtClean="0"/>
-              <a:t>6/30/2016</a:t>
+              <a:t>7/1/2016</a:t>
             </a:fld>
             <a:endParaRPr lang="en-US"/>
           </a:p>
@@ -2270,7 +2910,7 @@
           <a:p>
             <a:fld id="{D4DFCCA6-CC0D-42C0-970D-48F6C7E0307D}" type="datetimeFigureOut">
               <a:rPr lang="en-US" smtClean="0"/>
-              <a:t>6/30/2016</a:t>
+              <a:t>7/1/2016</a:t>
             </a:fld>
             <a:endParaRPr lang="en-US"/>
           </a:p>
@@ -2523,7 +3163,7 @@
           <a:p>
             <a:fld id="{D4DFCCA6-CC0D-42C0-970D-48F6C7E0307D}" type="datetimeFigureOut">
               <a:rPr lang="en-US" smtClean="0"/>
-              <a:t>6/30/2016</a:t>
+              <a:t>7/1/2016</a:t>
             </a:fld>
             <a:endParaRPr lang="en-US"/>
           </a:p>
@@ -2736,7 +3376,7 @@
           <a:p>
             <a:fld id="{D4DFCCA6-CC0D-42C0-970D-48F6C7E0307D}" type="datetimeFigureOut">
               <a:rPr lang="en-US" smtClean="0"/>
-              <a:t>6/30/2016</a:t>
+              <a:t>7/1/2016</a:t>
             </a:fld>
             <a:endParaRPr lang="en-US"/>
           </a:p>
@@ -4022,15 +4662,7 @@
                   <a:srgbClr val="0070C0"/>
                 </a:solidFill>
               </a:rPr>
-              <a:t>, ed. 2</a:t>
-            </a:r>
-            <a:r>
-              <a:rPr lang="en-US" sz="1000" dirty="0" smtClean="0">
-                <a:solidFill>
-                  <a:srgbClr val="0070C0"/>
-                </a:solidFill>
-              </a:rPr>
-              <a:t>)</a:t>
+              <a:t>, ed. 2)</a:t>
             </a:r>
           </a:p>
           <a:p>
@@ -4043,11 +4675,6 @@
               </a:rPr>
               <a:t>(Copyright © 2016, Georgia Institute of Technology)</a:t>
             </a:r>
-            <a:endParaRPr lang="en-US" sz="1000" dirty="0" smtClean="0">
-              <a:solidFill>
-                <a:srgbClr val="0070C0"/>
-              </a:solidFill>
-            </a:endParaRPr>
           </a:p>
         </p:txBody>
       </p:sp>
@@ -4060,7 +4687,7 @@
           <p:nvPr/>
         </p:nvPicPr>
         <p:blipFill>
-          <a:blip r:embed="rId2" cstate="print">
+          <a:blip r:embed="rId3" cstate="print">
             <a:extLst>
               <a:ext uri="{28A0092B-C50C-407E-A947-70E740481C1C}">
                 <a14:useLocalDpi xmlns:a14="http://schemas.microsoft.com/office/drawing/2010/main" val="0"/>
@@ -4101,7 +4728,7 @@
           <p:nvPr/>
         </p:nvPicPr>
         <p:blipFill>
-          <a:blip r:embed="rId3" cstate="print">
+          <a:blip r:embed="rId4" cstate="print">
             <a:extLst>
               <a:ext uri="{28A0092B-C50C-407E-A947-70E740481C1C}">
                 <a14:useLocalDpi xmlns:a14="http://schemas.microsoft.com/office/drawing/2010/main" val="0"/>
@@ -4731,7 +5358,7 @@
           <p:nvPr/>
         </p:nvPicPr>
         <p:blipFill>
-          <a:blip r:embed="rId4" cstate="print">
+          <a:blip r:embed="rId5" cstate="print">
             <a:extLst>
               <a:ext uri="{28A0092B-C50C-407E-A947-70E740481C1C}">
                 <a14:useLocalDpi xmlns:a14="http://schemas.microsoft.com/office/drawing/2010/main" val="0"/>
@@ -4772,7 +5399,7 @@
           <p:nvPr/>
         </p:nvPicPr>
         <p:blipFill>
-          <a:blip r:embed="rId5" cstate="print">
+          <a:blip r:embed="rId6" cstate="print">
             <a:extLst>
               <a:ext uri="{28A0092B-C50C-407E-A947-70E740481C1C}">
                 <a14:useLocalDpi xmlns:a14="http://schemas.microsoft.com/office/drawing/2010/main" val="0"/>
@@ -4883,6 +5510,1786 @@
           <p:nvPr/>
         </p:nvPicPr>
         <p:blipFill>
+          <a:blip r:embed="rId7" cstate="print">
+            <a:extLst>
+              <a:ext uri="{28A0092B-C50C-407E-A947-70E740481C1C}">
+                <a14:useLocalDpi xmlns:a14="http://schemas.microsoft.com/office/drawing/2010/main" val="0"/>
+              </a:ext>
+            </a:extLst>
+          </a:blip>
+          <a:srcRect/>
+          <a:stretch>
+            <a:fillRect/>
+          </a:stretch>
+        </p:blipFill>
+        <p:spPr bwMode="auto">
+          <a:xfrm>
+            <a:off x="5349240" y="822960"/>
+            <a:ext cx="2406127" cy="3840480"/>
+          </a:xfrm>
+          <a:prstGeom prst="rect">
+            <a:avLst/>
+          </a:prstGeom>
+          <a:noFill/>
+          <a:extLst>
+            <a:ext uri="{909E8E84-426E-40DD-AFC4-6F175D3DCCD1}">
+              <a14:hiddenFill xmlns:a14="http://schemas.microsoft.com/office/drawing/2010/main">
+                <a:solidFill>
+                  <a:srgbClr val="FFFFFF"/>
+                </a:solidFill>
+              </a14:hiddenFill>
+            </a:ext>
+          </a:extLst>
+        </p:spPr>
+      </p:pic>
+    </p:spTree>
+    <p:extLst>
+      <p:ext uri="{BB962C8B-B14F-4D97-AF65-F5344CB8AC3E}">
+        <p14:creationId xmlns:p14="http://schemas.microsoft.com/office/powerpoint/2010/main" val="3818376202"/>
+      </p:ext>
+    </p:extLst>
+  </p:cSld>
+  <p:clrMapOvr>
+    <a:masterClrMapping/>
+  </p:clrMapOvr>
+</p:sld>
+</file>
+
+<file path=ppt/slides/slide2.xml><?xml version="1.0" encoding="utf-8"?>
+<p:sld xmlns:a="http://schemas.openxmlformats.org/drawingml/2006/main" xmlns:r="http://schemas.openxmlformats.org/officeDocument/2006/relationships" xmlns:p="http://schemas.openxmlformats.org/presentationml/2006/main">
+  <p:cSld>
+    <p:spTree>
+      <p:nvGrpSpPr>
+        <p:cNvPr id="1" name=""/>
+        <p:cNvGrpSpPr/>
+        <p:nvPr/>
+      </p:nvGrpSpPr>
+      <p:grpSpPr>
+        <a:xfrm>
+          <a:off x="0" y="0"/>
+          <a:ext cx="0" cy="0"/>
+          <a:chOff x="0" y="0"/>
+          <a:chExt cx="0" cy="0"/>
+        </a:xfrm>
+      </p:grpSpPr>
+      <p:grpSp>
+        <p:nvGrpSpPr>
+          <p:cNvPr id="4" name="Group 3"/>
+          <p:cNvGrpSpPr>
+            <a:grpSpLocks noChangeAspect="1"/>
+          </p:cNvGrpSpPr>
+          <p:nvPr/>
+        </p:nvGrpSpPr>
+        <p:grpSpPr>
+          <a:xfrm>
+            <a:off x="18288" y="27432"/>
+            <a:ext cx="2635005" cy="1645920"/>
+            <a:chOff x="194055" y="27432"/>
+            <a:chExt cx="2796033" cy="1746504"/>
+          </a:xfrm>
+        </p:grpSpPr>
+        <p:sp>
+          <p:nvSpPr>
+            <p:cNvPr id="26" name="Right Arrow 25"/>
+            <p:cNvSpPr/>
+            <p:nvPr/>
+          </p:nvSpPr>
+          <p:spPr>
+            <a:xfrm>
+              <a:off x="194055" y="822960"/>
+              <a:ext cx="291084" cy="180340"/>
+            </a:xfrm>
+            <a:prstGeom prst="rightArrow">
+              <a:avLst/>
+            </a:prstGeom>
+            <a:noFill/>
+            <a:ln w="25400">
+              <a:solidFill>
+                <a:schemeClr val="tx1"/>
+              </a:solidFill>
+            </a:ln>
+          </p:spPr>
+          <p:style>
+            <a:lnRef idx="2">
+              <a:schemeClr val="accent1">
+                <a:shade val="50000"/>
+              </a:schemeClr>
+            </a:lnRef>
+            <a:fillRef idx="1">
+              <a:schemeClr val="accent1"/>
+            </a:fillRef>
+            <a:effectRef idx="0">
+              <a:schemeClr val="accent1"/>
+            </a:effectRef>
+            <a:fontRef idx="minor">
+              <a:schemeClr val="lt1"/>
+            </a:fontRef>
+          </p:style>
+          <p:txBody>
+            <a:bodyPr rtlCol="0" anchor="ctr"/>
+            <a:lstStyle/>
+            <a:p>
+              <a:pPr algn="ctr"/>
+              <a:endParaRPr lang="en-US"/>
+            </a:p>
+          </p:txBody>
+        </p:sp>
+        <p:grpSp>
+          <p:nvGrpSpPr>
+            <p:cNvPr id="78" name="Group 77"/>
+            <p:cNvGrpSpPr/>
+            <p:nvPr/>
+          </p:nvGrpSpPr>
+          <p:grpSpPr>
+            <a:xfrm>
+              <a:off x="548640" y="27432"/>
+              <a:ext cx="2441448" cy="1746504"/>
+              <a:chOff x="1353312" y="429767"/>
+              <a:chExt cx="2441448" cy="1746504"/>
+            </a:xfrm>
+          </p:grpSpPr>
+          <p:grpSp>
+            <p:nvGrpSpPr>
+              <p:cNvPr id="27" name="Group 26"/>
+              <p:cNvGrpSpPr/>
+              <p:nvPr/>
+            </p:nvGrpSpPr>
+            <p:grpSpPr>
+              <a:xfrm>
+                <a:off x="1733550" y="1094740"/>
+                <a:ext cx="323850" cy="459740"/>
+                <a:chOff x="3524250" y="1371600"/>
+                <a:chExt cx="323850" cy="459740"/>
+              </a:xfrm>
+            </p:grpSpPr>
+            <p:cxnSp>
+              <p:nvCxnSpPr>
+                <p:cNvPr id="28" name="Straight Connector 27"/>
+                <p:cNvCxnSpPr/>
+                <p:nvPr/>
+              </p:nvCxnSpPr>
+              <p:spPr>
+                <a:xfrm>
+                  <a:off x="3524250" y="1371600"/>
+                  <a:ext cx="314325" cy="0"/>
+                </a:xfrm>
+                <a:prstGeom prst="line">
+                  <a:avLst/>
+                </a:prstGeom>
+                <a:ln w="25400">
+                  <a:solidFill>
+                    <a:schemeClr val="tx1"/>
+                  </a:solidFill>
+                </a:ln>
+              </p:spPr>
+              <p:style>
+                <a:lnRef idx="1">
+                  <a:schemeClr val="accent1"/>
+                </a:lnRef>
+                <a:fillRef idx="0">
+                  <a:schemeClr val="accent1"/>
+                </a:fillRef>
+                <a:effectRef idx="0">
+                  <a:schemeClr val="accent1"/>
+                </a:effectRef>
+                <a:fontRef idx="minor">
+                  <a:schemeClr val="tx1"/>
+                </a:fontRef>
+              </p:style>
+            </p:cxnSp>
+            <p:cxnSp>
+              <p:nvCxnSpPr>
+                <p:cNvPr id="29" name="Straight Connector 28"/>
+                <p:cNvCxnSpPr/>
+                <p:nvPr/>
+              </p:nvCxnSpPr>
+              <p:spPr>
+                <a:xfrm>
+                  <a:off x="3838575" y="1371600"/>
+                  <a:ext cx="9525" cy="459740"/>
+                </a:xfrm>
+                <a:prstGeom prst="line">
+                  <a:avLst/>
+                </a:prstGeom>
+                <a:ln w="25400">
+                  <a:solidFill>
+                    <a:schemeClr val="tx1"/>
+                  </a:solidFill>
+                </a:ln>
+              </p:spPr>
+              <p:style>
+                <a:lnRef idx="1">
+                  <a:schemeClr val="accent1"/>
+                </a:lnRef>
+                <a:fillRef idx="0">
+                  <a:schemeClr val="accent1"/>
+                </a:fillRef>
+                <a:effectRef idx="0">
+                  <a:schemeClr val="accent1"/>
+                </a:effectRef>
+                <a:fontRef idx="minor">
+                  <a:schemeClr val="tx1"/>
+                </a:fontRef>
+              </p:style>
+            </p:cxnSp>
+            <p:cxnSp>
+              <p:nvCxnSpPr>
+                <p:cNvPr id="30" name="Straight Connector 29"/>
+                <p:cNvCxnSpPr/>
+                <p:nvPr/>
+              </p:nvCxnSpPr>
+              <p:spPr>
+                <a:xfrm>
+                  <a:off x="3533775" y="1831340"/>
+                  <a:ext cx="314325" cy="0"/>
+                </a:xfrm>
+                <a:prstGeom prst="line">
+                  <a:avLst/>
+                </a:prstGeom>
+                <a:ln w="25400">
+                  <a:solidFill>
+                    <a:schemeClr val="tx1"/>
+                  </a:solidFill>
+                </a:ln>
+              </p:spPr>
+              <p:style>
+                <a:lnRef idx="1">
+                  <a:schemeClr val="accent1"/>
+                </a:lnRef>
+                <a:fillRef idx="0">
+                  <a:schemeClr val="accent1"/>
+                </a:fillRef>
+                <a:effectRef idx="0">
+                  <a:schemeClr val="accent1"/>
+                </a:effectRef>
+                <a:fontRef idx="minor">
+                  <a:schemeClr val="tx1"/>
+                </a:fontRef>
+              </p:style>
+            </p:cxnSp>
+          </p:grpSp>
+          <p:sp>
+            <p:nvSpPr>
+              <p:cNvPr id="31" name="Oval 30"/>
+              <p:cNvSpPr/>
+              <p:nvPr/>
+            </p:nvSpPr>
+            <p:spPr>
+              <a:xfrm>
+                <a:off x="2601945" y="457200"/>
+                <a:ext cx="457200" cy="459739"/>
+              </a:xfrm>
+              <a:prstGeom prst="ellipse">
+                <a:avLst/>
+              </a:prstGeom>
+              <a:noFill/>
+              <a:ln w="25400">
+                <a:solidFill>
+                  <a:schemeClr val="tx1"/>
+                </a:solidFill>
+              </a:ln>
+            </p:spPr>
+            <p:style>
+              <a:lnRef idx="2">
+                <a:schemeClr val="accent1">
+                  <a:shade val="50000"/>
+                </a:schemeClr>
+              </a:lnRef>
+              <a:fillRef idx="1">
+                <a:schemeClr val="accent1"/>
+              </a:fillRef>
+              <a:effectRef idx="0">
+                <a:schemeClr val="accent1"/>
+              </a:effectRef>
+              <a:fontRef idx="minor">
+                <a:schemeClr val="lt1"/>
+              </a:fontRef>
+            </p:style>
+            <p:txBody>
+              <a:bodyPr rtlCol="0" anchor="ctr"/>
+              <a:lstStyle/>
+              <a:p>
+                <a:pPr algn="ctr"/>
+                <a:endParaRPr lang="en-US"/>
+              </a:p>
+            </p:txBody>
+          </p:sp>
+          <p:cxnSp>
+            <p:nvCxnSpPr>
+              <p:cNvPr id="32" name="Straight Arrow Connector 31"/>
+              <p:cNvCxnSpPr>
+                <a:endCxn id="31" idx="2"/>
+              </p:cNvCxnSpPr>
+              <p:nvPr/>
+            </p:nvCxnSpPr>
+            <p:spPr>
+              <a:xfrm flipV="1">
+                <a:off x="2052637" y="687070"/>
+                <a:ext cx="549308" cy="637540"/>
+              </a:xfrm>
+              <a:prstGeom prst="straightConnector1">
+                <a:avLst/>
+              </a:prstGeom>
+              <a:ln w="25400" cmpd="dbl">
+                <a:solidFill>
+                  <a:schemeClr val="tx1"/>
+                </a:solidFill>
+                <a:prstDash val="sysDot"/>
+                <a:tailEnd type="triangle"/>
+              </a:ln>
+            </p:spPr>
+            <p:style>
+              <a:lnRef idx="1">
+                <a:schemeClr val="accent1"/>
+              </a:lnRef>
+              <a:fillRef idx="0">
+                <a:schemeClr val="accent1"/>
+              </a:fillRef>
+              <a:effectRef idx="0">
+                <a:schemeClr val="accent1"/>
+              </a:effectRef>
+              <a:fontRef idx="minor">
+                <a:schemeClr val="tx1"/>
+              </a:fontRef>
+            </p:style>
+          </p:cxnSp>
+          <p:sp>
+            <p:nvSpPr>
+              <p:cNvPr id="34" name="Oval 33"/>
+              <p:cNvSpPr/>
+              <p:nvPr/>
+            </p:nvSpPr>
+            <p:spPr>
+              <a:xfrm>
+                <a:off x="2604477" y="957320"/>
+                <a:ext cx="457200" cy="459739"/>
+              </a:xfrm>
+              <a:prstGeom prst="ellipse">
+                <a:avLst/>
+              </a:prstGeom>
+              <a:noFill/>
+              <a:ln w="25400">
+                <a:solidFill>
+                  <a:schemeClr val="tx1"/>
+                </a:solidFill>
+              </a:ln>
+            </p:spPr>
+            <p:style>
+              <a:lnRef idx="2">
+                <a:schemeClr val="accent1">
+                  <a:shade val="50000"/>
+                </a:schemeClr>
+              </a:lnRef>
+              <a:fillRef idx="1">
+                <a:schemeClr val="accent1"/>
+              </a:fillRef>
+              <a:effectRef idx="0">
+                <a:schemeClr val="accent1"/>
+              </a:effectRef>
+              <a:fontRef idx="minor">
+                <a:schemeClr val="lt1"/>
+              </a:fontRef>
+            </p:style>
+            <p:txBody>
+              <a:bodyPr rtlCol="0" anchor="ctr"/>
+              <a:lstStyle/>
+              <a:p>
+                <a:pPr algn="ctr"/>
+                <a:endParaRPr lang="en-US"/>
+              </a:p>
+            </p:txBody>
+          </p:sp>
+          <p:cxnSp>
+            <p:nvCxnSpPr>
+              <p:cNvPr id="35" name="Straight Arrow Connector 34"/>
+              <p:cNvCxnSpPr>
+                <a:endCxn id="34" idx="2"/>
+              </p:cNvCxnSpPr>
+              <p:nvPr/>
+            </p:nvCxnSpPr>
+            <p:spPr>
+              <a:xfrm flipV="1">
+                <a:off x="2057400" y="1187190"/>
+                <a:ext cx="547077" cy="137420"/>
+              </a:xfrm>
+              <a:prstGeom prst="straightConnector1">
+                <a:avLst/>
+              </a:prstGeom>
+              <a:ln w="25400" cmpd="dbl">
+                <a:solidFill>
+                  <a:schemeClr val="tx1"/>
+                </a:solidFill>
+                <a:prstDash val="sysDot"/>
+                <a:tailEnd type="triangle"/>
+              </a:ln>
+            </p:spPr>
+            <p:style>
+              <a:lnRef idx="1">
+                <a:schemeClr val="accent1"/>
+              </a:lnRef>
+              <a:fillRef idx="0">
+                <a:schemeClr val="accent1"/>
+              </a:fillRef>
+              <a:effectRef idx="0">
+                <a:schemeClr val="accent1"/>
+              </a:effectRef>
+              <a:fontRef idx="minor">
+                <a:schemeClr val="tx1"/>
+              </a:fontRef>
+            </p:style>
+          </p:cxnSp>
+          <p:sp>
+            <p:nvSpPr>
+              <p:cNvPr id="36" name="Oval 35"/>
+              <p:cNvSpPr/>
+              <p:nvPr/>
+            </p:nvSpPr>
+            <p:spPr>
+              <a:xfrm>
+                <a:off x="2588277" y="1676400"/>
+                <a:ext cx="457200" cy="459739"/>
+              </a:xfrm>
+              <a:prstGeom prst="ellipse">
+                <a:avLst/>
+              </a:prstGeom>
+              <a:noFill/>
+              <a:ln w="25400">
+                <a:solidFill>
+                  <a:schemeClr val="tx1"/>
+                </a:solidFill>
+              </a:ln>
+            </p:spPr>
+            <p:style>
+              <a:lnRef idx="2">
+                <a:schemeClr val="accent1">
+                  <a:shade val="50000"/>
+                </a:schemeClr>
+              </a:lnRef>
+              <a:fillRef idx="1">
+                <a:schemeClr val="accent1"/>
+              </a:fillRef>
+              <a:effectRef idx="0">
+                <a:schemeClr val="accent1"/>
+              </a:effectRef>
+              <a:fontRef idx="minor">
+                <a:schemeClr val="lt1"/>
+              </a:fontRef>
+            </p:style>
+            <p:txBody>
+              <a:bodyPr rtlCol="0" anchor="ctr"/>
+              <a:lstStyle/>
+              <a:p>
+                <a:pPr algn="ctr"/>
+                <a:endParaRPr lang="en-US"/>
+              </a:p>
+            </p:txBody>
+          </p:sp>
+          <p:cxnSp>
+            <p:nvCxnSpPr>
+              <p:cNvPr id="37" name="Straight Arrow Connector 36"/>
+              <p:cNvCxnSpPr>
+                <a:endCxn id="36" idx="2"/>
+              </p:cNvCxnSpPr>
+              <p:nvPr/>
+            </p:nvCxnSpPr>
+            <p:spPr>
+              <a:xfrm>
+                <a:off x="2057400" y="1324610"/>
+                <a:ext cx="530877" cy="581660"/>
+              </a:xfrm>
+              <a:prstGeom prst="straightConnector1">
+                <a:avLst/>
+              </a:prstGeom>
+              <a:ln w="25400" cmpd="dbl">
+                <a:solidFill>
+                  <a:schemeClr val="tx1"/>
+                </a:solidFill>
+                <a:prstDash val="sysDot"/>
+                <a:tailEnd type="triangle"/>
+              </a:ln>
+            </p:spPr>
+            <p:style>
+              <a:lnRef idx="1">
+                <a:schemeClr val="accent1"/>
+              </a:lnRef>
+              <a:fillRef idx="0">
+                <a:schemeClr val="accent1"/>
+              </a:fillRef>
+              <a:effectRef idx="0">
+                <a:schemeClr val="accent1"/>
+              </a:effectRef>
+              <a:fontRef idx="minor">
+                <a:schemeClr val="tx1"/>
+              </a:fontRef>
+            </p:style>
+          </p:cxnSp>
+          <p:cxnSp>
+            <p:nvCxnSpPr>
+              <p:cNvPr id="45" name="Straight Arrow Connector 44"/>
+              <p:cNvCxnSpPr>
+                <a:stCxn id="31" idx="6"/>
+                <a:endCxn id="57" idx="1"/>
+              </p:cNvCxnSpPr>
+              <p:nvPr/>
+            </p:nvCxnSpPr>
+            <p:spPr>
+              <a:xfrm>
+                <a:off x="3059145" y="687070"/>
+                <a:ext cx="468883" cy="637540"/>
+              </a:xfrm>
+              <a:prstGeom prst="straightConnector1">
+                <a:avLst/>
+              </a:prstGeom>
+              <a:ln w="25400" cmpd="dbl">
+                <a:solidFill>
+                  <a:schemeClr val="tx1"/>
+                </a:solidFill>
+                <a:prstDash val="solid"/>
+                <a:tailEnd type="triangle"/>
+              </a:ln>
+            </p:spPr>
+            <p:style>
+              <a:lnRef idx="1">
+                <a:schemeClr val="accent1"/>
+              </a:lnRef>
+              <a:fillRef idx="0">
+                <a:schemeClr val="accent1"/>
+              </a:fillRef>
+              <a:effectRef idx="0">
+                <a:schemeClr val="accent1"/>
+              </a:effectRef>
+              <a:fontRef idx="minor">
+                <a:schemeClr val="tx1"/>
+              </a:fontRef>
+            </p:style>
+          </p:cxnSp>
+          <p:cxnSp>
+            <p:nvCxnSpPr>
+              <p:cNvPr id="46" name="Straight Arrow Connector 45"/>
+              <p:cNvCxnSpPr>
+                <a:stCxn id="34" idx="6"/>
+                <a:endCxn id="57" idx="1"/>
+              </p:cNvCxnSpPr>
+              <p:nvPr/>
+            </p:nvCxnSpPr>
+            <p:spPr>
+              <a:xfrm>
+                <a:off x="3061677" y="1187190"/>
+                <a:ext cx="466351" cy="137420"/>
+              </a:xfrm>
+              <a:prstGeom prst="straightConnector1">
+                <a:avLst/>
+              </a:prstGeom>
+              <a:ln w="25400" cmpd="dbl">
+                <a:solidFill>
+                  <a:schemeClr val="tx1"/>
+                </a:solidFill>
+                <a:prstDash val="solid"/>
+                <a:tailEnd type="triangle"/>
+              </a:ln>
+            </p:spPr>
+            <p:style>
+              <a:lnRef idx="1">
+                <a:schemeClr val="accent1"/>
+              </a:lnRef>
+              <a:fillRef idx="0">
+                <a:schemeClr val="accent1"/>
+              </a:fillRef>
+              <a:effectRef idx="0">
+                <a:schemeClr val="accent1"/>
+              </a:effectRef>
+              <a:fontRef idx="minor">
+                <a:schemeClr val="tx1"/>
+              </a:fontRef>
+            </p:style>
+          </p:cxnSp>
+          <p:cxnSp>
+            <p:nvCxnSpPr>
+              <p:cNvPr id="47" name="Straight Arrow Connector 46"/>
+              <p:cNvCxnSpPr>
+                <a:stCxn id="36" idx="6"/>
+                <a:endCxn id="57" idx="1"/>
+              </p:cNvCxnSpPr>
+              <p:nvPr/>
+            </p:nvCxnSpPr>
+            <p:spPr>
+              <a:xfrm flipV="1">
+                <a:off x="3045477" y="1324610"/>
+                <a:ext cx="482551" cy="581660"/>
+              </a:xfrm>
+              <a:prstGeom prst="straightConnector1">
+                <a:avLst/>
+              </a:prstGeom>
+              <a:ln w="25400" cmpd="dbl">
+                <a:solidFill>
+                  <a:schemeClr val="tx1"/>
+                </a:solidFill>
+                <a:prstDash val="solid"/>
+                <a:tailEnd type="triangle"/>
+              </a:ln>
+            </p:spPr>
+            <p:style>
+              <a:lnRef idx="1">
+                <a:schemeClr val="accent1"/>
+              </a:lnRef>
+              <a:fillRef idx="0">
+                <a:schemeClr val="accent1"/>
+              </a:fillRef>
+              <a:effectRef idx="0">
+                <a:schemeClr val="accent1"/>
+              </a:effectRef>
+              <a:fontRef idx="minor">
+                <a:schemeClr val="tx1"/>
+              </a:fontRef>
+            </p:style>
+          </p:cxnSp>
+          <p:sp>
+            <p:nvSpPr>
+              <p:cNvPr id="54" name="TextBox 53"/>
+              <p:cNvSpPr txBox="1"/>
+              <p:nvPr/>
+            </p:nvSpPr>
+            <p:spPr>
+              <a:xfrm>
+                <a:off x="2657832" y="456237"/>
+                <a:ext cx="345424" cy="424561"/>
+              </a:xfrm>
+              <a:prstGeom prst="rect">
+                <a:avLst/>
+              </a:prstGeom>
+              <a:noFill/>
+            </p:spPr>
+            <p:txBody>
+              <a:bodyPr wrap="square" rtlCol="0">
+                <a:spAutoFit/>
+              </a:bodyPr>
+              <a:lstStyle/>
+              <a:p>
+                <a:r>
+                  <a:rPr lang="en-US" sz="2000" dirty="0" smtClean="0"/>
+                  <a:t>1</a:t>
+                </a:r>
+                <a:endParaRPr lang="en-US" sz="2000" dirty="0"/>
+              </a:p>
+            </p:txBody>
+          </p:sp>
+          <p:sp>
+            <p:nvSpPr>
+              <p:cNvPr id="55" name="TextBox 54"/>
+              <p:cNvSpPr txBox="1"/>
+              <p:nvPr/>
+            </p:nvSpPr>
+            <p:spPr>
+              <a:xfrm>
+                <a:off x="2660365" y="957320"/>
+                <a:ext cx="345424" cy="424561"/>
+              </a:xfrm>
+              <a:prstGeom prst="rect">
+                <a:avLst/>
+              </a:prstGeom>
+              <a:noFill/>
+            </p:spPr>
+            <p:txBody>
+              <a:bodyPr wrap="square" rtlCol="0">
+                <a:spAutoFit/>
+              </a:bodyPr>
+              <a:lstStyle/>
+              <a:p>
+                <a:r>
+                  <a:rPr lang="en-US" sz="2000" dirty="0" smtClean="0"/>
+                  <a:t>2</a:t>
+                </a:r>
+                <a:endParaRPr lang="en-US" sz="2000" dirty="0"/>
+              </a:p>
+            </p:txBody>
+          </p:sp>
+          <p:sp>
+            <p:nvSpPr>
+              <p:cNvPr id="56" name="TextBox 55"/>
+              <p:cNvSpPr txBox="1"/>
+              <p:nvPr/>
+            </p:nvSpPr>
+            <p:spPr>
+              <a:xfrm>
+                <a:off x="2660365" y="1676400"/>
+                <a:ext cx="345424" cy="424561"/>
+              </a:xfrm>
+              <a:prstGeom prst="rect">
+                <a:avLst/>
+              </a:prstGeom>
+              <a:noFill/>
+            </p:spPr>
+            <p:txBody>
+              <a:bodyPr wrap="square" rtlCol="0">
+                <a:spAutoFit/>
+              </a:bodyPr>
+              <a:lstStyle/>
+              <a:p>
+                <a:r>
+                  <a:rPr lang="en-US" sz="2000" dirty="0"/>
+                  <a:t>k</a:t>
+                </a:r>
+              </a:p>
+            </p:txBody>
+          </p:sp>
+          <p:sp>
+            <p:nvSpPr>
+              <p:cNvPr id="57" name="Flowchart: Decision 56"/>
+              <p:cNvSpPr/>
+              <p:nvPr/>
+            </p:nvSpPr>
+            <p:spPr>
+              <a:xfrm>
+                <a:off x="3528028" y="1210310"/>
+                <a:ext cx="228600" cy="228600"/>
+              </a:xfrm>
+              <a:prstGeom prst="flowChartDecision">
+                <a:avLst/>
+              </a:prstGeom>
+              <a:solidFill>
+                <a:schemeClr val="bg1"/>
+              </a:solidFill>
+              <a:ln w="25400">
+                <a:solidFill>
+                  <a:schemeClr val="tx1"/>
+                </a:solidFill>
+              </a:ln>
+            </p:spPr>
+            <p:style>
+              <a:lnRef idx="2">
+                <a:schemeClr val="accent1">
+                  <a:shade val="50000"/>
+                </a:schemeClr>
+              </a:lnRef>
+              <a:fillRef idx="1">
+                <a:schemeClr val="accent1"/>
+              </a:fillRef>
+              <a:effectRef idx="0">
+                <a:schemeClr val="accent1"/>
+              </a:effectRef>
+              <a:fontRef idx="minor">
+                <a:schemeClr val="lt1"/>
+              </a:fontRef>
+            </p:style>
+            <p:txBody>
+              <a:bodyPr rtlCol="0" anchor="ctr"/>
+              <a:lstStyle/>
+              <a:p>
+                <a:pPr algn="ctr"/>
+                <a:endParaRPr lang="en-US"/>
+              </a:p>
+            </p:txBody>
+          </p:sp>
+          <p:sp>
+            <p:nvSpPr>
+              <p:cNvPr id="73" name="Rectangle 72"/>
+              <p:cNvSpPr/>
+              <p:nvPr/>
+            </p:nvSpPr>
+            <p:spPr>
+              <a:xfrm>
+                <a:off x="1353312" y="429767"/>
+                <a:ext cx="2441448" cy="1746504"/>
+              </a:xfrm>
+              <a:prstGeom prst="rect">
+                <a:avLst/>
+              </a:prstGeom>
+              <a:noFill/>
+              <a:ln w="38100"/>
+            </p:spPr>
+            <p:style>
+              <a:lnRef idx="2">
+                <a:schemeClr val="accent1">
+                  <a:shade val="50000"/>
+                </a:schemeClr>
+              </a:lnRef>
+              <a:fillRef idx="1">
+                <a:schemeClr val="accent1"/>
+              </a:fillRef>
+              <a:effectRef idx="0">
+                <a:schemeClr val="accent1"/>
+              </a:effectRef>
+              <a:fontRef idx="minor">
+                <a:schemeClr val="lt1"/>
+              </a:fontRef>
+            </p:style>
+            <p:txBody>
+              <a:bodyPr rtlCol="0" anchor="ctr"/>
+              <a:lstStyle/>
+              <a:p>
+                <a:pPr algn="ctr"/>
+                <a:endParaRPr lang="en-US"/>
+              </a:p>
+            </p:txBody>
+          </p:sp>
+          <p:sp>
+            <p:nvSpPr>
+              <p:cNvPr id="74" name="Flowchart: Decision 73"/>
+              <p:cNvSpPr/>
+              <p:nvPr/>
+            </p:nvSpPr>
+            <p:spPr>
+              <a:xfrm>
+                <a:off x="1371600" y="1210310"/>
+                <a:ext cx="228600" cy="228600"/>
+              </a:xfrm>
+              <a:prstGeom prst="flowChartDecision">
+                <a:avLst/>
+              </a:prstGeom>
+              <a:solidFill>
+                <a:schemeClr val="bg1"/>
+              </a:solidFill>
+              <a:ln w="25400">
+                <a:solidFill>
+                  <a:schemeClr val="tx1"/>
+                </a:solidFill>
+              </a:ln>
+            </p:spPr>
+            <p:style>
+              <a:lnRef idx="2">
+                <a:schemeClr val="accent1">
+                  <a:shade val="50000"/>
+                </a:schemeClr>
+              </a:lnRef>
+              <a:fillRef idx="1">
+                <a:schemeClr val="accent1"/>
+              </a:fillRef>
+              <a:effectRef idx="0">
+                <a:schemeClr val="accent1"/>
+              </a:effectRef>
+              <a:fontRef idx="minor">
+                <a:schemeClr val="lt1"/>
+              </a:fontRef>
+            </p:style>
+            <p:txBody>
+              <a:bodyPr rtlCol="0" anchor="ctr"/>
+              <a:lstStyle/>
+              <a:p>
+                <a:pPr algn="ctr"/>
+                <a:endParaRPr lang="en-US"/>
+              </a:p>
+            </p:txBody>
+          </p:sp>
+          <p:cxnSp>
+            <p:nvCxnSpPr>
+              <p:cNvPr id="75" name="Straight Arrow Connector 74"/>
+              <p:cNvCxnSpPr>
+                <a:stCxn id="74" idx="3"/>
+              </p:cNvCxnSpPr>
+              <p:nvPr/>
+            </p:nvCxnSpPr>
+            <p:spPr>
+              <a:xfrm>
+                <a:off x="1600200" y="1324610"/>
+                <a:ext cx="300037" cy="0"/>
+              </a:xfrm>
+              <a:prstGeom prst="straightConnector1">
+                <a:avLst/>
+              </a:prstGeom>
+              <a:ln w="25400" cmpd="dbl">
+                <a:solidFill>
+                  <a:schemeClr val="tx1"/>
+                </a:solidFill>
+                <a:prstDash val="solid"/>
+                <a:tailEnd type="triangle"/>
+              </a:ln>
+            </p:spPr>
+            <p:style>
+              <a:lnRef idx="1">
+                <a:schemeClr val="accent1"/>
+              </a:lnRef>
+              <a:fillRef idx="0">
+                <a:schemeClr val="accent1"/>
+              </a:fillRef>
+              <a:effectRef idx="0">
+                <a:schemeClr val="accent1"/>
+              </a:effectRef>
+              <a:fontRef idx="minor">
+                <a:schemeClr val="tx1"/>
+              </a:fontRef>
+            </p:style>
+          </p:cxnSp>
+        </p:grpSp>
+      </p:grpSp>
+      <p:sp>
+        <p:nvSpPr>
+          <p:cNvPr id="2" name="TextBox 1"/>
+          <p:cNvSpPr txBox="1"/>
+          <p:nvPr/>
+        </p:nvSpPr>
+        <p:spPr>
+          <a:xfrm>
+            <a:off x="3805365" y="0"/>
+            <a:ext cx="5347778" cy="769441"/>
+          </a:xfrm>
+          <a:prstGeom prst="rect">
+            <a:avLst/>
+          </a:prstGeom>
+          <a:noFill/>
+        </p:spPr>
+        <p:txBody>
+          <a:bodyPr wrap="square" rtlCol="0">
+            <a:spAutoFit/>
+          </a:bodyPr>
+          <a:lstStyle/>
+          <a:p>
+            <a:pPr algn="r"/>
+            <a:r>
+              <a:rPr lang="en-US" sz="2400" dirty="0" smtClean="0">
+                <a:solidFill>
+                  <a:srgbClr val="0070C0"/>
+                </a:solidFill>
+              </a:rPr>
+              <a:t>Queueing Theory for Single Workstations</a:t>
+            </a:r>
+          </a:p>
+          <a:p>
+            <a:pPr algn="r"/>
+            <a:r>
+              <a:rPr lang="en-US" sz="1000" dirty="0" smtClean="0">
+                <a:solidFill>
+                  <a:srgbClr val="0070C0"/>
+                </a:solidFill>
+              </a:rPr>
+              <a:t>(Source:  </a:t>
+            </a:r>
+            <a:r>
+              <a:rPr lang="en-US" sz="1000" dirty="0" err="1" smtClean="0">
+                <a:solidFill>
+                  <a:srgbClr val="0070C0"/>
+                </a:solidFill>
+              </a:rPr>
+              <a:t>Hopp</a:t>
+            </a:r>
+            <a:r>
+              <a:rPr lang="en-US" sz="1000" dirty="0" smtClean="0">
+                <a:solidFill>
+                  <a:srgbClr val="0070C0"/>
+                </a:solidFill>
+              </a:rPr>
+              <a:t> &amp; Spearman, </a:t>
+            </a:r>
+            <a:r>
+              <a:rPr lang="en-US" sz="1000" u="sng" dirty="0" smtClean="0">
+                <a:solidFill>
+                  <a:srgbClr val="0070C0"/>
+                </a:solidFill>
+              </a:rPr>
+              <a:t>Factory Physics</a:t>
+            </a:r>
+            <a:r>
+              <a:rPr lang="en-US" sz="1000" dirty="0" smtClean="0">
+                <a:solidFill>
+                  <a:srgbClr val="0070C0"/>
+                </a:solidFill>
+              </a:rPr>
+              <a:t>, ed. 2)</a:t>
+            </a:r>
+          </a:p>
+          <a:p>
+            <a:pPr algn="r"/>
+            <a:r>
+              <a:rPr lang="en-US" sz="1000" dirty="0" smtClean="0">
+                <a:solidFill>
+                  <a:srgbClr val="0070C0"/>
+                </a:solidFill>
+              </a:rPr>
+              <a:t>(Copyright © 2016, Georgia Institute of Technology)</a:t>
+            </a:r>
+          </a:p>
+        </p:txBody>
+      </p:sp>
+      <p:grpSp>
+        <p:nvGrpSpPr>
+          <p:cNvPr id="9" name="Group 8"/>
+          <p:cNvGrpSpPr/>
+          <p:nvPr/>
+        </p:nvGrpSpPr>
+        <p:grpSpPr>
+          <a:xfrm>
+            <a:off x="3747353" y="5120640"/>
+            <a:ext cx="2197934" cy="369332"/>
+            <a:chOff x="3581074" y="4726923"/>
+            <a:chExt cx="2197934" cy="369332"/>
+          </a:xfrm>
+        </p:grpSpPr>
+        <p:grpSp>
+          <p:nvGrpSpPr>
+            <p:cNvPr id="5" name="Group 4"/>
+            <p:cNvGrpSpPr/>
+            <p:nvPr/>
+          </p:nvGrpSpPr>
+          <p:grpSpPr>
+            <a:xfrm>
+              <a:off x="3977640" y="4797287"/>
+              <a:ext cx="1307624" cy="228601"/>
+              <a:chOff x="3805364" y="692405"/>
+              <a:chExt cx="1307624" cy="228601"/>
+            </a:xfrm>
+          </p:grpSpPr>
+          <p:cxnSp>
+            <p:nvCxnSpPr>
+              <p:cNvPr id="100" name="Straight Arrow Connector 99"/>
+              <p:cNvCxnSpPr>
+                <a:stCxn id="114" idx="3"/>
+                <a:endCxn id="115" idx="1"/>
+              </p:cNvCxnSpPr>
+              <p:nvPr/>
+            </p:nvCxnSpPr>
+            <p:spPr>
+              <a:xfrm>
+                <a:off x="4033964" y="806705"/>
+                <a:ext cx="850424" cy="1"/>
+              </a:xfrm>
+              <a:prstGeom prst="straightConnector1">
+                <a:avLst/>
+              </a:prstGeom>
+              <a:ln w="25400" cmpd="dbl">
+                <a:solidFill>
+                  <a:schemeClr val="tx1"/>
+                </a:solidFill>
+                <a:prstDash val="solid"/>
+                <a:tailEnd type="triangle"/>
+              </a:ln>
+            </p:spPr>
+            <p:style>
+              <a:lnRef idx="1">
+                <a:schemeClr val="accent1"/>
+              </a:lnRef>
+              <a:fillRef idx="0">
+                <a:schemeClr val="accent1"/>
+              </a:fillRef>
+              <a:effectRef idx="0">
+                <a:schemeClr val="accent1"/>
+              </a:effectRef>
+              <a:fontRef idx="minor">
+                <a:schemeClr val="tx1"/>
+              </a:fontRef>
+            </p:style>
+          </p:cxnSp>
+          <p:sp>
+            <p:nvSpPr>
+              <p:cNvPr id="114" name="Flowchart: Decision 113"/>
+              <p:cNvSpPr/>
+              <p:nvPr/>
+            </p:nvSpPr>
+            <p:spPr>
+              <a:xfrm>
+                <a:off x="3805364" y="692405"/>
+                <a:ext cx="228600" cy="228600"/>
+              </a:xfrm>
+              <a:prstGeom prst="flowChartDecision">
+                <a:avLst/>
+              </a:prstGeom>
+              <a:solidFill>
+                <a:schemeClr val="bg1"/>
+              </a:solidFill>
+              <a:ln w="25400">
+                <a:solidFill>
+                  <a:schemeClr val="tx1"/>
+                </a:solidFill>
+              </a:ln>
+            </p:spPr>
+            <p:style>
+              <a:lnRef idx="2">
+                <a:schemeClr val="accent1">
+                  <a:shade val="50000"/>
+                </a:schemeClr>
+              </a:lnRef>
+              <a:fillRef idx="1">
+                <a:schemeClr val="accent1"/>
+              </a:fillRef>
+              <a:effectRef idx="0">
+                <a:schemeClr val="accent1"/>
+              </a:effectRef>
+              <a:fontRef idx="minor">
+                <a:schemeClr val="lt1"/>
+              </a:fontRef>
+            </p:style>
+            <p:txBody>
+              <a:bodyPr rtlCol="0" anchor="ctr"/>
+              <a:lstStyle/>
+              <a:p>
+                <a:pPr algn="ctr"/>
+                <a:endParaRPr lang="en-US"/>
+              </a:p>
+            </p:txBody>
+          </p:sp>
+          <p:sp>
+            <p:nvSpPr>
+              <p:cNvPr id="115" name="Flowchart: Decision 114"/>
+              <p:cNvSpPr/>
+              <p:nvPr/>
+            </p:nvSpPr>
+            <p:spPr>
+              <a:xfrm>
+                <a:off x="4884388" y="692406"/>
+                <a:ext cx="228600" cy="228600"/>
+              </a:xfrm>
+              <a:prstGeom prst="flowChartDecision">
+                <a:avLst/>
+              </a:prstGeom>
+              <a:solidFill>
+                <a:schemeClr val="bg1"/>
+              </a:solidFill>
+              <a:ln w="25400">
+                <a:solidFill>
+                  <a:schemeClr val="tx1"/>
+                </a:solidFill>
+              </a:ln>
+            </p:spPr>
+            <p:style>
+              <a:lnRef idx="2">
+                <a:schemeClr val="accent1">
+                  <a:shade val="50000"/>
+                </a:schemeClr>
+              </a:lnRef>
+              <a:fillRef idx="1">
+                <a:schemeClr val="accent1"/>
+              </a:fillRef>
+              <a:effectRef idx="0">
+                <a:schemeClr val="accent1"/>
+              </a:effectRef>
+              <a:fontRef idx="minor">
+                <a:schemeClr val="lt1"/>
+              </a:fontRef>
+            </p:style>
+            <p:txBody>
+              <a:bodyPr rtlCol="0" anchor="ctr"/>
+              <a:lstStyle/>
+              <a:p>
+                <a:pPr algn="ctr"/>
+                <a:endParaRPr lang="en-US"/>
+              </a:p>
+            </p:txBody>
+          </p:sp>
+        </p:grpSp>
+        <p:sp>
+          <p:nvSpPr>
+            <p:cNvPr id="48" name="TextBox 47"/>
+            <p:cNvSpPr txBox="1"/>
+            <p:nvPr/>
+          </p:nvSpPr>
+          <p:spPr>
+            <a:xfrm>
+              <a:off x="3581074" y="4726923"/>
+              <a:ext cx="548640" cy="369332"/>
+            </a:xfrm>
+            <a:prstGeom prst="rect">
+              <a:avLst/>
+            </a:prstGeom>
+            <a:noFill/>
+          </p:spPr>
+          <p:txBody>
+            <a:bodyPr wrap="square" rtlCol="0">
+              <a:spAutoFit/>
+            </a:bodyPr>
+            <a:lstStyle/>
+            <a:p>
+              <a:r>
+                <a:rPr lang="en-US" dirty="0" smtClean="0"/>
+                <a:t>W</a:t>
+              </a:r>
+              <a:r>
+                <a:rPr lang="en-US" baseline="-25000" dirty="0" smtClean="0"/>
+                <a:t>1</a:t>
+              </a:r>
+              <a:endParaRPr lang="en-US" baseline="-25000" dirty="0"/>
+            </a:p>
+          </p:txBody>
+        </p:sp>
+        <p:sp>
+          <p:nvSpPr>
+            <p:cNvPr id="49" name="TextBox 48"/>
+            <p:cNvSpPr txBox="1"/>
+            <p:nvPr/>
+          </p:nvSpPr>
+          <p:spPr>
+            <a:xfrm>
+              <a:off x="5230368" y="4726923"/>
+              <a:ext cx="548640" cy="369332"/>
+            </a:xfrm>
+            <a:prstGeom prst="rect">
+              <a:avLst/>
+            </a:prstGeom>
+            <a:noFill/>
+          </p:spPr>
+          <p:txBody>
+            <a:bodyPr wrap="square" rtlCol="0">
+              <a:spAutoFit/>
+            </a:bodyPr>
+            <a:lstStyle/>
+            <a:p>
+              <a:r>
+                <a:rPr lang="en-US" dirty="0" smtClean="0"/>
+                <a:t>W</a:t>
+              </a:r>
+              <a:r>
+                <a:rPr lang="en-US" baseline="-25000" dirty="0"/>
+                <a:t>2</a:t>
+              </a:r>
+            </a:p>
+          </p:txBody>
+        </p:sp>
+      </p:grpSp>
+      <p:grpSp>
+        <p:nvGrpSpPr>
+          <p:cNvPr id="10" name="Group 9"/>
+          <p:cNvGrpSpPr/>
+          <p:nvPr/>
+        </p:nvGrpSpPr>
+        <p:grpSpPr>
+          <a:xfrm>
+            <a:off x="6629400" y="5010912"/>
+            <a:ext cx="2249424" cy="918595"/>
+            <a:chOff x="7132320" y="4580526"/>
+            <a:chExt cx="2249424" cy="918595"/>
+          </a:xfrm>
+        </p:grpSpPr>
+        <p:grpSp>
+          <p:nvGrpSpPr>
+            <p:cNvPr id="6" name="Group 5"/>
+            <p:cNvGrpSpPr/>
+            <p:nvPr/>
+          </p:nvGrpSpPr>
+          <p:grpSpPr>
+            <a:xfrm>
+              <a:off x="7528560" y="4651515"/>
+              <a:ext cx="1371600" cy="777240"/>
+              <a:chOff x="6019800" y="422149"/>
+              <a:chExt cx="1371600" cy="777240"/>
+            </a:xfrm>
+          </p:grpSpPr>
+          <p:cxnSp>
+            <p:nvCxnSpPr>
+              <p:cNvPr id="103" name="Straight Arrow Connector 102"/>
+              <p:cNvCxnSpPr>
+                <a:stCxn id="116" idx="3"/>
+                <a:endCxn id="117" idx="1"/>
+              </p:cNvCxnSpPr>
+              <p:nvPr/>
+            </p:nvCxnSpPr>
+            <p:spPr>
+              <a:xfrm flipV="1">
+                <a:off x="6248400" y="536449"/>
+                <a:ext cx="914400" cy="272795"/>
+              </a:xfrm>
+              <a:prstGeom prst="straightConnector1">
+                <a:avLst/>
+              </a:prstGeom>
+              <a:ln w="25400" cmpd="dbl">
+                <a:solidFill>
+                  <a:schemeClr val="tx1"/>
+                </a:solidFill>
+                <a:prstDash val="solid"/>
+                <a:tailEnd type="triangle"/>
+              </a:ln>
+            </p:spPr>
+            <p:style>
+              <a:lnRef idx="1">
+                <a:schemeClr val="accent1"/>
+              </a:lnRef>
+              <a:fillRef idx="0">
+                <a:schemeClr val="accent1"/>
+              </a:fillRef>
+              <a:effectRef idx="0">
+                <a:schemeClr val="accent1"/>
+              </a:effectRef>
+              <a:fontRef idx="minor">
+                <a:schemeClr val="tx1"/>
+              </a:fontRef>
+            </p:style>
+          </p:cxnSp>
+          <p:cxnSp>
+            <p:nvCxnSpPr>
+              <p:cNvPr id="106" name="Straight Arrow Connector 105"/>
+              <p:cNvCxnSpPr>
+                <a:stCxn id="116" idx="3"/>
+                <a:endCxn id="118" idx="1"/>
+              </p:cNvCxnSpPr>
+              <p:nvPr/>
+            </p:nvCxnSpPr>
+            <p:spPr>
+              <a:xfrm>
+                <a:off x="6248400" y="809244"/>
+                <a:ext cx="914400" cy="275845"/>
+              </a:xfrm>
+              <a:prstGeom prst="straightConnector1">
+                <a:avLst/>
+              </a:prstGeom>
+              <a:ln w="25400" cmpd="dbl">
+                <a:solidFill>
+                  <a:schemeClr val="tx1"/>
+                </a:solidFill>
+                <a:prstDash val="solid"/>
+                <a:tailEnd type="triangle"/>
+              </a:ln>
+            </p:spPr>
+            <p:style>
+              <a:lnRef idx="1">
+                <a:schemeClr val="accent1"/>
+              </a:lnRef>
+              <a:fillRef idx="0">
+                <a:schemeClr val="accent1"/>
+              </a:fillRef>
+              <a:effectRef idx="0">
+                <a:schemeClr val="accent1"/>
+              </a:effectRef>
+              <a:fontRef idx="minor">
+                <a:schemeClr val="tx1"/>
+              </a:fontRef>
+            </p:style>
+          </p:cxnSp>
+          <p:sp>
+            <p:nvSpPr>
+              <p:cNvPr id="116" name="Flowchart: Decision 115"/>
+              <p:cNvSpPr/>
+              <p:nvPr/>
+            </p:nvSpPr>
+            <p:spPr>
+              <a:xfrm>
+                <a:off x="6019800" y="694944"/>
+                <a:ext cx="228600" cy="228600"/>
+              </a:xfrm>
+              <a:prstGeom prst="flowChartDecision">
+                <a:avLst/>
+              </a:prstGeom>
+              <a:solidFill>
+                <a:schemeClr val="bg1"/>
+              </a:solidFill>
+              <a:ln w="25400">
+                <a:solidFill>
+                  <a:schemeClr val="tx1"/>
+                </a:solidFill>
+              </a:ln>
+            </p:spPr>
+            <p:style>
+              <a:lnRef idx="2">
+                <a:schemeClr val="accent1">
+                  <a:shade val="50000"/>
+                </a:schemeClr>
+              </a:lnRef>
+              <a:fillRef idx="1">
+                <a:schemeClr val="accent1"/>
+              </a:fillRef>
+              <a:effectRef idx="0">
+                <a:schemeClr val="accent1"/>
+              </a:effectRef>
+              <a:fontRef idx="minor">
+                <a:schemeClr val="lt1"/>
+              </a:fontRef>
+            </p:style>
+            <p:txBody>
+              <a:bodyPr rtlCol="0" anchor="ctr"/>
+              <a:lstStyle/>
+              <a:p>
+                <a:pPr algn="ctr"/>
+                <a:endParaRPr lang="en-US"/>
+              </a:p>
+            </p:txBody>
+          </p:sp>
+          <p:sp>
+            <p:nvSpPr>
+              <p:cNvPr id="117" name="Flowchart: Decision 116"/>
+              <p:cNvSpPr/>
+              <p:nvPr/>
+            </p:nvSpPr>
+            <p:spPr>
+              <a:xfrm>
+                <a:off x="7162800" y="422149"/>
+                <a:ext cx="228600" cy="228600"/>
+              </a:xfrm>
+              <a:prstGeom prst="flowChartDecision">
+                <a:avLst/>
+              </a:prstGeom>
+              <a:solidFill>
+                <a:schemeClr val="bg1"/>
+              </a:solidFill>
+              <a:ln w="25400">
+                <a:solidFill>
+                  <a:schemeClr val="tx1"/>
+                </a:solidFill>
+              </a:ln>
+            </p:spPr>
+            <p:style>
+              <a:lnRef idx="2">
+                <a:schemeClr val="accent1">
+                  <a:shade val="50000"/>
+                </a:schemeClr>
+              </a:lnRef>
+              <a:fillRef idx="1">
+                <a:schemeClr val="accent1"/>
+              </a:fillRef>
+              <a:effectRef idx="0">
+                <a:schemeClr val="accent1"/>
+              </a:effectRef>
+              <a:fontRef idx="minor">
+                <a:schemeClr val="lt1"/>
+              </a:fontRef>
+            </p:style>
+            <p:txBody>
+              <a:bodyPr rtlCol="0" anchor="ctr"/>
+              <a:lstStyle/>
+              <a:p>
+                <a:pPr algn="ctr"/>
+                <a:endParaRPr lang="en-US"/>
+              </a:p>
+            </p:txBody>
+          </p:sp>
+          <p:sp>
+            <p:nvSpPr>
+              <p:cNvPr id="118" name="Flowchart: Decision 117"/>
+              <p:cNvSpPr/>
+              <p:nvPr/>
+            </p:nvSpPr>
+            <p:spPr>
+              <a:xfrm>
+                <a:off x="7162800" y="970789"/>
+                <a:ext cx="228600" cy="228600"/>
+              </a:xfrm>
+              <a:prstGeom prst="flowChartDecision">
+                <a:avLst/>
+              </a:prstGeom>
+              <a:solidFill>
+                <a:schemeClr val="bg1"/>
+              </a:solidFill>
+              <a:ln w="25400">
+                <a:solidFill>
+                  <a:schemeClr val="tx1"/>
+                </a:solidFill>
+              </a:ln>
+            </p:spPr>
+            <p:style>
+              <a:lnRef idx="2">
+                <a:schemeClr val="accent1">
+                  <a:shade val="50000"/>
+                </a:schemeClr>
+              </a:lnRef>
+              <a:fillRef idx="1">
+                <a:schemeClr val="accent1"/>
+              </a:fillRef>
+              <a:effectRef idx="0">
+                <a:schemeClr val="accent1"/>
+              </a:effectRef>
+              <a:fontRef idx="minor">
+                <a:schemeClr val="lt1"/>
+              </a:fontRef>
+            </p:style>
+            <p:txBody>
+              <a:bodyPr rtlCol="0" anchor="ctr"/>
+              <a:lstStyle/>
+              <a:p>
+                <a:pPr algn="ctr"/>
+                <a:endParaRPr lang="en-US"/>
+              </a:p>
+            </p:txBody>
+          </p:sp>
+        </p:grpSp>
+        <p:sp>
+          <p:nvSpPr>
+            <p:cNvPr id="50" name="TextBox 49"/>
+            <p:cNvSpPr txBox="1"/>
+            <p:nvPr/>
+          </p:nvSpPr>
+          <p:spPr>
+            <a:xfrm>
+              <a:off x="7132320" y="4853944"/>
+              <a:ext cx="548640" cy="369332"/>
+            </a:xfrm>
+            <a:prstGeom prst="rect">
+              <a:avLst/>
+            </a:prstGeom>
+            <a:noFill/>
+          </p:spPr>
+          <p:txBody>
+            <a:bodyPr wrap="square" rtlCol="0">
+              <a:spAutoFit/>
+            </a:bodyPr>
+            <a:lstStyle/>
+            <a:p>
+              <a:r>
+                <a:rPr lang="en-US" dirty="0" smtClean="0"/>
+                <a:t>W</a:t>
+              </a:r>
+              <a:r>
+                <a:rPr lang="en-US" baseline="-25000" dirty="0" smtClean="0"/>
+                <a:t>1</a:t>
+              </a:r>
+              <a:endParaRPr lang="en-US" baseline="-25000" dirty="0"/>
+            </a:p>
+          </p:txBody>
+        </p:sp>
+        <p:sp>
+          <p:nvSpPr>
+            <p:cNvPr id="51" name="TextBox 50"/>
+            <p:cNvSpPr txBox="1"/>
+            <p:nvPr/>
+          </p:nvSpPr>
+          <p:spPr>
+            <a:xfrm>
+              <a:off x="8833104" y="4580526"/>
+              <a:ext cx="548640" cy="369332"/>
+            </a:xfrm>
+            <a:prstGeom prst="rect">
+              <a:avLst/>
+            </a:prstGeom>
+            <a:noFill/>
+          </p:spPr>
+          <p:txBody>
+            <a:bodyPr wrap="square" rtlCol="0">
+              <a:spAutoFit/>
+            </a:bodyPr>
+            <a:lstStyle/>
+            <a:p>
+              <a:r>
+                <a:rPr lang="en-US" dirty="0" smtClean="0"/>
+                <a:t>W</a:t>
+              </a:r>
+              <a:r>
+                <a:rPr lang="en-US" baseline="-25000" dirty="0" smtClean="0"/>
+                <a:t>2a</a:t>
+              </a:r>
+              <a:endParaRPr lang="en-US" baseline="-25000" dirty="0"/>
+            </a:p>
+          </p:txBody>
+        </p:sp>
+        <p:sp>
+          <p:nvSpPr>
+            <p:cNvPr id="52" name="TextBox 51"/>
+            <p:cNvSpPr txBox="1"/>
+            <p:nvPr/>
+          </p:nvSpPr>
+          <p:spPr>
+            <a:xfrm>
+              <a:off x="8833104" y="5129789"/>
+              <a:ext cx="548640" cy="369332"/>
+            </a:xfrm>
+            <a:prstGeom prst="rect">
+              <a:avLst/>
+            </a:prstGeom>
+            <a:noFill/>
+          </p:spPr>
+          <p:txBody>
+            <a:bodyPr wrap="square" rtlCol="0">
+              <a:spAutoFit/>
+            </a:bodyPr>
+            <a:lstStyle/>
+            <a:p>
+              <a:r>
+                <a:rPr lang="en-US" dirty="0" smtClean="0"/>
+                <a:t>W</a:t>
+              </a:r>
+              <a:r>
+                <a:rPr lang="en-US" baseline="-25000" dirty="0" smtClean="0"/>
+                <a:t>2b</a:t>
+              </a:r>
+              <a:endParaRPr lang="en-US" baseline="-25000" dirty="0"/>
+            </a:p>
+          </p:txBody>
+        </p:sp>
+      </p:grpSp>
+      <p:cxnSp>
+        <p:nvCxnSpPr>
+          <p:cNvPr id="13" name="Straight Connector 12"/>
+          <p:cNvCxnSpPr/>
+          <p:nvPr/>
+        </p:nvCxnSpPr>
+        <p:spPr>
+          <a:xfrm>
+            <a:off x="3429000" y="5029200"/>
+            <a:ext cx="5715000" cy="0"/>
+          </a:xfrm>
+          <a:prstGeom prst="line">
+            <a:avLst/>
+          </a:prstGeom>
+          <a:ln w="25400">
+            <a:solidFill>
+              <a:srgbClr val="0070C0"/>
+            </a:solidFill>
+          </a:ln>
+        </p:spPr>
+        <p:style>
+          <a:lnRef idx="1">
+            <a:schemeClr val="accent1"/>
+          </a:lnRef>
+          <a:fillRef idx="0">
+            <a:schemeClr val="accent1"/>
+          </a:fillRef>
+          <a:effectRef idx="0">
+            <a:schemeClr val="accent1"/>
+          </a:effectRef>
+          <a:fontRef idx="minor">
+            <a:schemeClr val="tx1"/>
+          </a:fontRef>
+        </p:style>
+      </p:cxnSp>
+      <p:cxnSp>
+        <p:nvCxnSpPr>
+          <p:cNvPr id="58" name="Straight Connector 57"/>
+          <p:cNvCxnSpPr/>
+          <p:nvPr/>
+        </p:nvCxnSpPr>
+        <p:spPr>
+          <a:xfrm>
+            <a:off x="3429000" y="5029200"/>
+            <a:ext cx="0" cy="1828800"/>
+          </a:xfrm>
+          <a:prstGeom prst="line">
+            <a:avLst/>
+          </a:prstGeom>
+          <a:ln w="25400">
+            <a:solidFill>
+              <a:srgbClr val="0070C0"/>
+            </a:solidFill>
+          </a:ln>
+        </p:spPr>
+        <p:style>
+          <a:lnRef idx="1">
+            <a:schemeClr val="accent1"/>
+          </a:lnRef>
+          <a:fillRef idx="0">
+            <a:schemeClr val="accent1"/>
+          </a:fillRef>
+          <a:effectRef idx="0">
+            <a:schemeClr val="accent1"/>
+          </a:effectRef>
+          <a:fontRef idx="minor">
+            <a:schemeClr val="tx1"/>
+          </a:fontRef>
+        </p:style>
+      </p:cxnSp>
+      <p:pic>
+        <p:nvPicPr>
+          <p:cNvPr id="1026" name="Picture 2" descr="D:\Dropbox\Work\MathWorksCurriculumDevelopment\Images\im1a.png"/>
+          <p:cNvPicPr>
+            <a:picLocks noChangeAspect="1" noChangeArrowheads="1"/>
+          </p:cNvPicPr>
+          <p:nvPr/>
+        </p:nvPicPr>
+        <p:blipFill>
+          <a:blip r:embed="rId3" cstate="print">
+            <a:extLst>
+              <a:ext uri="{28A0092B-C50C-407E-A947-70E740481C1C}">
+                <a14:useLocalDpi xmlns:a14="http://schemas.microsoft.com/office/drawing/2010/main" val="0"/>
+              </a:ext>
+            </a:extLst>
+          </a:blip>
+          <a:srcRect/>
+          <a:stretch>
+            <a:fillRect/>
+          </a:stretch>
+        </p:blipFill>
+        <p:spPr bwMode="auto">
+          <a:xfrm>
+            <a:off x="182880" y="1737360"/>
+            <a:ext cx="2578608" cy="3192701"/>
+          </a:xfrm>
+          <a:prstGeom prst="rect">
+            <a:avLst/>
+          </a:prstGeom>
+          <a:noFill/>
+          <a:extLst>
+            <a:ext uri="{909E8E84-426E-40DD-AFC4-6F175D3DCCD1}">
+              <a14:hiddenFill xmlns:a14="http://schemas.microsoft.com/office/drawing/2010/main">
+                <a:solidFill>
+                  <a:srgbClr val="FFFFFF"/>
+                </a:solidFill>
+              </a14:hiddenFill>
+            </a:ext>
+          </a:extLst>
+        </p:spPr>
+      </p:pic>
+      <p:pic>
+        <p:nvPicPr>
+          <p:cNvPr id="1027" name="Picture 3" descr="D:\Dropbox\Work\MathWorksCurriculumDevelopment\Images\im1b.png"/>
+          <p:cNvPicPr>
+            <a:picLocks noChangeAspect="1" noChangeArrowheads="1"/>
+          </p:cNvPicPr>
+          <p:nvPr/>
+        </p:nvPicPr>
+        <p:blipFill>
+          <a:blip r:embed="rId4" cstate="print">
+            <a:extLst>
+              <a:ext uri="{28A0092B-C50C-407E-A947-70E740481C1C}">
+                <a14:useLocalDpi xmlns:a14="http://schemas.microsoft.com/office/drawing/2010/main" val="0"/>
+              </a:ext>
+            </a:extLst>
+          </a:blip>
+          <a:srcRect/>
+          <a:stretch>
+            <a:fillRect/>
+          </a:stretch>
+        </p:blipFill>
+        <p:spPr bwMode="auto">
+          <a:xfrm>
+            <a:off x="182880" y="4928616"/>
+            <a:ext cx="2578608" cy="1918073"/>
+          </a:xfrm>
+          <a:prstGeom prst="rect">
+            <a:avLst/>
+          </a:prstGeom>
+          <a:noFill/>
+          <a:extLst>
+            <a:ext uri="{909E8E84-426E-40DD-AFC4-6F175D3DCCD1}">
+              <a14:hiddenFill xmlns:a14="http://schemas.microsoft.com/office/drawing/2010/main">
+                <a:solidFill>
+                  <a:srgbClr val="FFFFFF"/>
+                </a:solidFill>
+              </a14:hiddenFill>
+            </a:ext>
+          </a:extLst>
+        </p:spPr>
+      </p:pic>
+      <p:pic>
+        <p:nvPicPr>
+          <p:cNvPr id="1028" name="Picture 4" descr="D:\Dropbox\Work\MathWorksCurriculumDevelopment\Images\im2.png"/>
+          <p:cNvPicPr>
+            <a:picLocks noChangeAspect="1" noChangeArrowheads="1"/>
+          </p:cNvPicPr>
+          <p:nvPr/>
+        </p:nvPicPr>
+        <p:blipFill>
+          <a:blip r:embed="rId5" cstate="print">
+            <a:extLst>
+              <a:ext uri="{28A0092B-C50C-407E-A947-70E740481C1C}">
+                <a14:useLocalDpi xmlns:a14="http://schemas.microsoft.com/office/drawing/2010/main" val="0"/>
+              </a:ext>
+            </a:extLst>
+          </a:blip>
+          <a:srcRect/>
+          <a:stretch>
+            <a:fillRect/>
+          </a:stretch>
+        </p:blipFill>
+        <p:spPr bwMode="auto">
+          <a:xfrm>
+            <a:off x="2743200" y="822960"/>
+            <a:ext cx="2560320" cy="2776431"/>
+          </a:xfrm>
+          <a:prstGeom prst="rect">
+            <a:avLst/>
+          </a:prstGeom>
+          <a:noFill/>
+          <a:extLst>
+            <a:ext uri="{909E8E84-426E-40DD-AFC4-6F175D3DCCD1}">
+              <a14:hiddenFill xmlns:a14="http://schemas.microsoft.com/office/drawing/2010/main">
+                <a:solidFill>
+                  <a:srgbClr val="FFFFFF"/>
+                </a:solidFill>
+              </a14:hiddenFill>
+            </a:ext>
+          </a:extLst>
+        </p:spPr>
+      </p:pic>
+      <p:pic>
+        <p:nvPicPr>
+          <p:cNvPr id="8" name="Picture 5" descr="D:\Dropbox\Work\MathWorksCurriculumDevelopment\Images\im3.png"/>
+          <p:cNvPicPr>
+            <a:picLocks noChangeAspect="1" noChangeArrowheads="1"/>
+          </p:cNvPicPr>
+          <p:nvPr/>
+        </p:nvPicPr>
+        <p:blipFill>
           <a:blip r:embed="rId6" cstate="print">
             <a:extLst>
               <a:ext uri="{28A0092B-C50C-407E-A947-70E740481C1C}">
@@ -4898,7 +7305,89 @@
         <p:spPr bwMode="auto">
           <a:xfrm>
             <a:off x="5349240" y="822960"/>
-            <a:ext cx="2406127" cy="3840480"/>
+            <a:ext cx="2423160" cy="3880465"/>
+          </a:xfrm>
+          <a:prstGeom prst="rect">
+            <a:avLst/>
+          </a:prstGeom>
+          <a:noFill/>
+          <a:extLst>
+            <a:ext uri="{909E8E84-426E-40DD-AFC4-6F175D3DCCD1}">
+              <a14:hiddenFill xmlns:a14="http://schemas.microsoft.com/office/drawing/2010/main">
+                <a:solidFill>
+                  <a:srgbClr val="FFFFFF"/>
+                </a:solidFill>
+              </a14:hiddenFill>
+            </a:ext>
+          </a:extLst>
+        </p:spPr>
+      </p:pic>
+      <p:pic>
+        <p:nvPicPr>
+          <p:cNvPr id="1030" name="Picture 6" descr="D:\Dropbox\Work\MathWorksCurriculumDevelopment\Images\im4.png"/>
+          <p:cNvPicPr>
+            <a:picLocks noChangeAspect="1" noChangeArrowheads="1"/>
+          </p:cNvPicPr>
+          <p:nvPr/>
+        </p:nvPicPr>
+        <p:blipFill>
+          <a:blip r:embed="rId7" cstate="print">
+            <a:extLst>
+              <a:ext uri="{28A0092B-C50C-407E-A947-70E740481C1C}">
+                <a14:useLocalDpi xmlns:a14="http://schemas.microsoft.com/office/drawing/2010/main" val="0"/>
+              </a:ext>
+            </a:extLst>
+          </a:blip>
+          <a:srcRect/>
+          <a:stretch>
+            <a:fillRect/>
+          </a:stretch>
+        </p:blipFill>
+        <p:spPr bwMode="auto">
+          <a:xfrm>
+            <a:off x="3474720" y="5486400"/>
+            <a:ext cx="2743200" cy="1342833"/>
+          </a:xfrm>
+          <a:prstGeom prst="rect">
+            <a:avLst/>
+          </a:prstGeom>
+          <a:noFill/>
+          <a:extLst>
+            <a:ext uri="{909E8E84-426E-40DD-AFC4-6F175D3DCCD1}">
+              <a14:hiddenFill xmlns:a14="http://schemas.microsoft.com/office/drawing/2010/main">
+                <a:solidFill>
+                  <a:srgbClr val="FFFFFF"/>
+                </a:solidFill>
+              </a14:hiddenFill>
+            </a:ext>
+          </a:extLst>
+        </p:spPr>
+      </p:pic>
+      <p:pic>
+        <p:nvPicPr>
+          <p:cNvPr id="1031" name="Picture 7" descr="D:\Dropbox\Work\MathWorksCurriculumDevelopment\Images\im5.png"/>
+          <p:cNvPicPr>
+            <a:picLocks noChangeAspect="1" noChangeArrowheads="1"/>
+          </p:cNvPicPr>
+          <p:nvPr/>
+        </p:nvPicPr>
+        <p:blipFill>
+          <a:blip r:embed="rId8" cstate="print">
+            <a:extLst>
+              <a:ext uri="{28A0092B-C50C-407E-A947-70E740481C1C}">
+                <a14:useLocalDpi xmlns:a14="http://schemas.microsoft.com/office/drawing/2010/main" val="0"/>
+              </a:ext>
+            </a:extLst>
+          </a:blip>
+          <a:srcRect/>
+          <a:stretch>
+            <a:fillRect/>
+          </a:stretch>
+        </p:blipFill>
+        <p:spPr bwMode="auto">
+          <a:xfrm>
+            <a:off x="6382512" y="5925312"/>
+            <a:ext cx="2743200" cy="917419"/>
           </a:xfrm>
           <a:prstGeom prst="rect">
             <a:avLst/>
@@ -5211,4 +7700,289 @@
   <a:objectDefaults/>
   <a:extraClrSchemeLst/>
 </a:theme>
+</file>
+
+<file path=ppt/theme/theme2.xml><?xml version="1.0" encoding="utf-8"?>
+<a:theme xmlns:a="http://schemas.openxmlformats.org/drawingml/2006/main" name="Office Theme">
+  <a:themeElements>
+    <a:clrScheme name="Office">
+      <a:dk1>
+        <a:sysClr val="windowText" lastClr="000000"/>
+      </a:dk1>
+      <a:lt1>
+        <a:sysClr val="window" lastClr="FFFFFF"/>
+      </a:lt1>
+      <a:dk2>
+        <a:srgbClr val="1F497D"/>
+      </a:dk2>
+      <a:lt2>
+        <a:srgbClr val="EEECE1"/>
+      </a:lt2>
+      <a:accent1>
+        <a:srgbClr val="4F81BD"/>
+      </a:accent1>
+      <a:accent2>
+        <a:srgbClr val="C0504D"/>
+      </a:accent2>
+      <a:accent3>
+        <a:srgbClr val="9BBB59"/>
+      </a:accent3>
+      <a:accent4>
+        <a:srgbClr val="8064A2"/>
+      </a:accent4>
+      <a:accent5>
+        <a:srgbClr val="4BACC6"/>
+      </a:accent5>
+      <a:accent6>
+        <a:srgbClr val="F79646"/>
+      </a:accent6>
+      <a:hlink>
+        <a:srgbClr val="0000FF"/>
+      </a:hlink>
+      <a:folHlink>
+        <a:srgbClr val="800080"/>
+      </a:folHlink>
+    </a:clrScheme>
+    <a:fontScheme name="Office">
+      <a:majorFont>
+        <a:latin typeface="Calibri"/>
+        <a:ea typeface=""/>
+        <a:cs typeface=""/>
+        <a:font script="Jpan" typeface="ＭＳ Ｐゴシック"/>
+        <a:font script="Hang" typeface="맑은 고딕"/>
+        <a:font script="Hans" typeface="宋体"/>
+        <a:font script="Hant" typeface="新細明體"/>
+        <a:font script="Arab" typeface="Times New Roman"/>
+        <a:font script="Hebr" typeface="Times New Roman"/>
+        <a:font script="Thai" typeface="Angsana New"/>
+        <a:font script="Ethi" typeface="Nyala"/>
+        <a:font script="Beng" typeface="Vrinda"/>
+        <a:font script="Gujr" typeface="Shruti"/>
+        <a:font script="Khmr" typeface="MoolBoran"/>
+        <a:font script="Knda" typeface="Tunga"/>
+        <a:font script="Guru" typeface="Raavi"/>
+        <a:font script="Cans" typeface="Euphemia"/>
+        <a:font script="Cher" typeface="Plantagenet Cherokee"/>
+        <a:font script="Yiii" typeface="Microsoft Yi Baiti"/>
+        <a:font script="Tibt" typeface="Microsoft Himalaya"/>
+        <a:font script="Thaa" typeface="MV Boli"/>
+        <a:font script="Deva" typeface="Mangal"/>
+        <a:font script="Telu" typeface="Gautami"/>
+        <a:font script="Taml" typeface="Latha"/>
+        <a:font script="Syrc" typeface="Estrangelo Edessa"/>
+        <a:font script="Orya" typeface="Kalinga"/>
+        <a:font script="Mlym" typeface="Kartika"/>
+        <a:font script="Laoo" typeface="DokChampa"/>
+        <a:font script="Sinh" typeface="Iskoola Pota"/>
+        <a:font script="Mong" typeface="Mongolian Baiti"/>
+        <a:font script="Viet" typeface="Times New Roman"/>
+        <a:font script="Uigh" typeface="Microsoft Uighur"/>
+        <a:font script="Geor" typeface="Sylfaen"/>
+      </a:majorFont>
+      <a:minorFont>
+        <a:latin typeface="Calibri"/>
+        <a:ea typeface=""/>
+        <a:cs typeface=""/>
+        <a:font script="Jpan" typeface="ＭＳ Ｐゴシック"/>
+        <a:font script="Hang" typeface="맑은 고딕"/>
+        <a:font script="Hans" typeface="宋体"/>
+        <a:font script="Hant" typeface="新細明體"/>
+        <a:font script="Arab" typeface="Arial"/>
+        <a:font script="Hebr" typeface="Arial"/>
+        <a:font script="Thai" typeface="Cordia New"/>
+        <a:font script="Ethi" typeface="Nyala"/>
+        <a:font script="Beng" typeface="Vrinda"/>
+        <a:font script="Gujr" typeface="Shruti"/>
+        <a:font script="Khmr" typeface="DaunPenh"/>
+        <a:font script="Knda" typeface="Tunga"/>
+        <a:font script="Guru" typeface="Raavi"/>
+        <a:font script="Cans" typeface="Euphemia"/>
+        <a:font script="Cher" typeface="Plantagenet Cherokee"/>
+        <a:font script="Yiii" typeface="Microsoft Yi Baiti"/>
+        <a:font script="Tibt" typeface="Microsoft Himalaya"/>
+        <a:font script="Thaa" typeface="MV Boli"/>
+        <a:font script="Deva" typeface="Mangal"/>
+        <a:font script="Telu" typeface="Gautami"/>
+        <a:font script="Taml" typeface="Latha"/>
+        <a:font script="Syrc" typeface="Estrangelo Edessa"/>
+        <a:font script="Orya" typeface="Kalinga"/>
+        <a:font script="Mlym" typeface="Kartika"/>
+        <a:font script="Laoo" typeface="DokChampa"/>
+        <a:font script="Sinh" typeface="Iskoola Pota"/>
+        <a:font script="Mong" typeface="Mongolian Baiti"/>
+        <a:font script="Viet" typeface="Arial"/>
+        <a:font script="Uigh" typeface="Microsoft Uighur"/>
+        <a:font script="Geor" typeface="Sylfaen"/>
+      </a:minorFont>
+    </a:fontScheme>
+    <a:fmtScheme name="Office">
+      <a:fillStyleLst>
+        <a:solidFill>
+          <a:schemeClr val="phClr"/>
+        </a:solidFill>
+        <a:gradFill rotWithShape="1">
+          <a:gsLst>
+            <a:gs pos="0">
+              <a:schemeClr val="phClr">
+                <a:tint val="50000"/>
+                <a:satMod val="300000"/>
+              </a:schemeClr>
+            </a:gs>
+            <a:gs pos="35000">
+              <a:schemeClr val="phClr">
+                <a:tint val="37000"/>
+                <a:satMod val="300000"/>
+              </a:schemeClr>
+            </a:gs>
+            <a:gs pos="100000">
+              <a:schemeClr val="phClr">
+                <a:tint val="15000"/>
+                <a:satMod val="350000"/>
+              </a:schemeClr>
+            </a:gs>
+          </a:gsLst>
+          <a:lin ang="16200000" scaled="1"/>
+        </a:gradFill>
+        <a:gradFill rotWithShape="1">
+          <a:gsLst>
+            <a:gs pos="0">
+              <a:schemeClr val="phClr">
+                <a:shade val="51000"/>
+                <a:satMod val="130000"/>
+              </a:schemeClr>
+            </a:gs>
+            <a:gs pos="80000">
+              <a:schemeClr val="phClr">
+                <a:shade val="93000"/>
+                <a:satMod val="130000"/>
+              </a:schemeClr>
+            </a:gs>
+            <a:gs pos="100000">
+              <a:schemeClr val="phClr">
+                <a:shade val="94000"/>
+                <a:satMod val="135000"/>
+              </a:schemeClr>
+            </a:gs>
+          </a:gsLst>
+          <a:lin ang="16200000" scaled="0"/>
+        </a:gradFill>
+      </a:fillStyleLst>
+      <a:lnStyleLst>
+        <a:ln w="9525" cap="flat" cmpd="sng" algn="ctr">
+          <a:solidFill>
+            <a:schemeClr val="phClr">
+              <a:shade val="95000"/>
+              <a:satMod val="105000"/>
+            </a:schemeClr>
+          </a:solidFill>
+          <a:prstDash val="solid"/>
+        </a:ln>
+        <a:ln w="25400" cap="flat" cmpd="sng" algn="ctr">
+          <a:solidFill>
+            <a:schemeClr val="phClr"/>
+          </a:solidFill>
+          <a:prstDash val="solid"/>
+        </a:ln>
+        <a:ln w="38100" cap="flat" cmpd="sng" algn="ctr">
+          <a:solidFill>
+            <a:schemeClr val="phClr"/>
+          </a:solidFill>
+          <a:prstDash val="solid"/>
+        </a:ln>
+      </a:lnStyleLst>
+      <a:effectStyleLst>
+        <a:effectStyle>
+          <a:effectLst>
+            <a:outerShdw blurRad="40000" dist="20000" dir="5400000" rotWithShape="0">
+              <a:srgbClr val="000000">
+                <a:alpha val="38000"/>
+              </a:srgbClr>
+            </a:outerShdw>
+          </a:effectLst>
+        </a:effectStyle>
+        <a:effectStyle>
+          <a:effectLst>
+            <a:outerShdw blurRad="40000" dist="23000" dir="5400000" rotWithShape="0">
+              <a:srgbClr val="000000">
+                <a:alpha val="35000"/>
+              </a:srgbClr>
+            </a:outerShdw>
+          </a:effectLst>
+        </a:effectStyle>
+        <a:effectStyle>
+          <a:effectLst>
+            <a:outerShdw blurRad="40000" dist="23000" dir="5400000" rotWithShape="0">
+              <a:srgbClr val="000000">
+                <a:alpha val="35000"/>
+              </a:srgbClr>
+            </a:outerShdw>
+          </a:effectLst>
+          <a:scene3d>
+            <a:camera prst="orthographicFront">
+              <a:rot lat="0" lon="0" rev="0"/>
+            </a:camera>
+            <a:lightRig rig="threePt" dir="t">
+              <a:rot lat="0" lon="0" rev="1200000"/>
+            </a:lightRig>
+          </a:scene3d>
+          <a:sp3d>
+            <a:bevelT w="63500" h="25400"/>
+          </a:sp3d>
+        </a:effectStyle>
+      </a:effectStyleLst>
+      <a:bgFillStyleLst>
+        <a:solidFill>
+          <a:schemeClr val="phClr"/>
+        </a:solidFill>
+        <a:gradFill rotWithShape="1">
+          <a:gsLst>
+            <a:gs pos="0">
+              <a:schemeClr val="phClr">
+                <a:tint val="40000"/>
+                <a:satMod val="350000"/>
+              </a:schemeClr>
+            </a:gs>
+            <a:gs pos="40000">
+              <a:schemeClr val="phClr">
+                <a:tint val="45000"/>
+                <a:shade val="99000"/>
+                <a:satMod val="350000"/>
+              </a:schemeClr>
+            </a:gs>
+            <a:gs pos="100000">
+              <a:schemeClr val="phClr">
+                <a:shade val="20000"/>
+                <a:satMod val="255000"/>
+              </a:schemeClr>
+            </a:gs>
+          </a:gsLst>
+          <a:path path="circle">
+            <a:fillToRect l="50000" t="-80000" r="50000" b="180000"/>
+          </a:path>
+        </a:gradFill>
+        <a:gradFill rotWithShape="1">
+          <a:gsLst>
+            <a:gs pos="0">
+              <a:schemeClr val="phClr">
+                <a:tint val="80000"/>
+                <a:satMod val="300000"/>
+              </a:schemeClr>
+            </a:gs>
+            <a:gs pos="100000">
+              <a:schemeClr val="phClr">
+                <a:shade val="30000"/>
+                <a:satMod val="200000"/>
+              </a:schemeClr>
+            </a:gs>
+          </a:gsLst>
+          <a:path path="circle">
+            <a:fillToRect l="50000" t="50000" r="50000" b="50000"/>
+          </a:path>
+        </a:gradFill>
+      </a:bgFillStyleLst>
+    </a:fmtScheme>
+  </a:themeElements>
+  <a:objectDefaults/>
+  <a:extraClrSchemeLst/>
+</a:theme>
 </file>